--- a/Master_Pattern_cross.pptx
+++ b/Master_Pattern_cross.pptx
@@ -69,6 +69,23 @@
     <p:sldId id="317" r:id="rId68"/>
     <p:sldId id="318" r:id="rId69"/>
     <p:sldId id="319" r:id="rId70"/>
+    <p:sldId id="320" r:id="rId71"/>
+    <p:sldId id="321" r:id="rId72"/>
+    <p:sldId id="322" r:id="rId73"/>
+    <p:sldId id="323" r:id="rId74"/>
+    <p:sldId id="324" r:id="rId75"/>
+    <p:sldId id="325" r:id="rId76"/>
+    <p:sldId id="326" r:id="rId77"/>
+    <p:sldId id="327" r:id="rId78"/>
+    <p:sldId id="328" r:id="rId79"/>
+    <p:sldId id="329" r:id="rId80"/>
+    <p:sldId id="330" r:id="rId81"/>
+    <p:sldId id="331" r:id="rId82"/>
+    <p:sldId id="332" r:id="rId83"/>
+    <p:sldId id="333" r:id="rId84"/>
+    <p:sldId id="334" r:id="rId85"/>
+    <p:sldId id="335" r:id="rId86"/>
+    <p:sldId id="336" r:id="rId87"/>
   </p:sldIdLst>
   <p:sldSz cx="9144000" cy="6858000" type="screen4x3"/>
   <p:notesSz cx="6858000" cy="9144000"/>
@@ -5703,6 +5720,216 @@
 </p:sld>
 </file>
 
+<file path=ppt/slides/slide65.xml><?xml version="1.0" encoding="utf-8"?>
+<p:sld xmlns:a="http://schemas.openxmlformats.org/drawingml/2006/main" xmlns:p="http://schemas.openxmlformats.org/presentationml/2006/main" xmlns:r="http://schemas.openxmlformats.org/officeDocument/2006/relationships">
+  <p:cSld>
+    <p:spTree>
+      <p:nvGrpSpPr>
+        <p:cNvPr id="1" name=""/>
+        <p:cNvGrpSpPr/>
+        <p:nvPr/>
+      </p:nvGrpSpPr>
+      <p:grpSpPr/>
+      <p:pic>
+        <p:nvPicPr>
+          <p:cNvPr id="2" name="Picture 1" descr="Layers.png"/>
+          <p:cNvPicPr>
+            <a:picLocks noChangeAspect="1"/>
+          </p:cNvPicPr>
+          <p:nvPr/>
+        </p:nvPicPr>
+        <p:blipFill>
+          <a:blip r:embed="rId2"/>
+          <a:stretch>
+            <a:fillRect/>
+          </a:stretch>
+        </p:blipFill>
+        <p:spPr>
+          <a:xfrm>
+            <a:off x="-1463040" y="-3657600"/>
+            <a:ext cx="11795760" cy="11795760"/>
+          </a:xfrm>
+          <a:prstGeom prst="rect">
+            <a:avLst/>
+          </a:prstGeom>
+        </p:spPr>
+      </p:pic>
+    </p:spTree>
+  </p:cSld>
+  <p:clrMapOvr>
+    <a:masterClrMapping/>
+  </p:clrMapOvr>
+</p:sld>
+</file>
+
+<file path=ppt/slides/slide66.xml><?xml version="1.0" encoding="utf-8"?>
+<p:sld xmlns:a="http://schemas.openxmlformats.org/drawingml/2006/main" xmlns:p="http://schemas.openxmlformats.org/presentationml/2006/main" xmlns:r="http://schemas.openxmlformats.org/officeDocument/2006/relationships">
+  <p:cSld>
+    <p:spTree>
+      <p:nvGrpSpPr>
+        <p:cNvPr id="1" name=""/>
+        <p:cNvGrpSpPr/>
+        <p:nvPr/>
+      </p:nvGrpSpPr>
+      <p:grpSpPr/>
+      <p:pic>
+        <p:nvPicPr>
+          <p:cNvPr id="2" name="Picture 1" descr="Layers.png"/>
+          <p:cNvPicPr>
+            <a:picLocks noChangeAspect="1"/>
+          </p:cNvPicPr>
+          <p:nvPr/>
+        </p:nvPicPr>
+        <p:blipFill>
+          <a:blip r:embed="rId2"/>
+          <a:stretch>
+            <a:fillRect/>
+          </a:stretch>
+        </p:blipFill>
+        <p:spPr>
+          <a:xfrm>
+            <a:off x="-1463040" y="-3657600"/>
+            <a:ext cx="11795760" cy="11795760"/>
+          </a:xfrm>
+          <a:prstGeom prst="rect">
+            <a:avLst/>
+          </a:prstGeom>
+        </p:spPr>
+      </p:pic>
+    </p:spTree>
+  </p:cSld>
+  <p:clrMapOvr>
+    <a:masterClrMapping/>
+  </p:clrMapOvr>
+</p:sld>
+</file>
+
+<file path=ppt/slides/slide67.xml><?xml version="1.0" encoding="utf-8"?>
+<p:sld xmlns:a="http://schemas.openxmlformats.org/drawingml/2006/main" xmlns:p="http://schemas.openxmlformats.org/presentationml/2006/main" xmlns:r="http://schemas.openxmlformats.org/officeDocument/2006/relationships">
+  <p:cSld>
+    <p:spTree>
+      <p:nvGrpSpPr>
+        <p:cNvPr id="1" name=""/>
+        <p:cNvGrpSpPr/>
+        <p:nvPr/>
+      </p:nvGrpSpPr>
+      <p:grpSpPr/>
+      <p:pic>
+        <p:nvPicPr>
+          <p:cNvPr id="2" name="Picture 1" descr="Layers.png"/>
+          <p:cNvPicPr>
+            <a:picLocks noChangeAspect="1"/>
+          </p:cNvPicPr>
+          <p:nvPr/>
+        </p:nvPicPr>
+        <p:blipFill>
+          <a:blip r:embed="rId2"/>
+          <a:stretch>
+            <a:fillRect/>
+          </a:stretch>
+        </p:blipFill>
+        <p:spPr>
+          <a:xfrm>
+            <a:off x="-1463040" y="-3657600"/>
+            <a:ext cx="11795760" cy="11795760"/>
+          </a:xfrm>
+          <a:prstGeom prst="rect">
+            <a:avLst/>
+          </a:prstGeom>
+        </p:spPr>
+      </p:pic>
+    </p:spTree>
+  </p:cSld>
+  <p:clrMapOvr>
+    <a:masterClrMapping/>
+  </p:clrMapOvr>
+</p:sld>
+</file>
+
+<file path=ppt/slides/slide68.xml><?xml version="1.0" encoding="utf-8"?>
+<p:sld xmlns:a="http://schemas.openxmlformats.org/drawingml/2006/main" xmlns:p="http://schemas.openxmlformats.org/presentationml/2006/main" xmlns:r="http://schemas.openxmlformats.org/officeDocument/2006/relationships">
+  <p:cSld>
+    <p:spTree>
+      <p:nvGrpSpPr>
+        <p:cNvPr id="1" name=""/>
+        <p:cNvGrpSpPr/>
+        <p:nvPr/>
+      </p:nvGrpSpPr>
+      <p:grpSpPr/>
+      <p:pic>
+        <p:nvPicPr>
+          <p:cNvPr id="2" name="Picture 1" descr="Layers.png"/>
+          <p:cNvPicPr>
+            <a:picLocks noChangeAspect="1"/>
+          </p:cNvPicPr>
+          <p:nvPr/>
+        </p:nvPicPr>
+        <p:blipFill>
+          <a:blip r:embed="rId2"/>
+          <a:stretch>
+            <a:fillRect/>
+          </a:stretch>
+        </p:blipFill>
+        <p:spPr>
+          <a:xfrm>
+            <a:off x="-1463040" y="-3657600"/>
+            <a:ext cx="11795760" cy="11795760"/>
+          </a:xfrm>
+          <a:prstGeom prst="rect">
+            <a:avLst/>
+          </a:prstGeom>
+        </p:spPr>
+      </p:pic>
+    </p:spTree>
+  </p:cSld>
+  <p:clrMapOvr>
+    <a:masterClrMapping/>
+  </p:clrMapOvr>
+</p:sld>
+</file>
+
+<file path=ppt/slides/slide69.xml><?xml version="1.0" encoding="utf-8"?>
+<p:sld xmlns:a="http://schemas.openxmlformats.org/drawingml/2006/main" xmlns:p="http://schemas.openxmlformats.org/presentationml/2006/main" xmlns:r="http://schemas.openxmlformats.org/officeDocument/2006/relationships">
+  <p:cSld>
+    <p:spTree>
+      <p:nvGrpSpPr>
+        <p:cNvPr id="1" name=""/>
+        <p:cNvGrpSpPr/>
+        <p:nvPr/>
+      </p:nvGrpSpPr>
+      <p:grpSpPr/>
+      <p:pic>
+        <p:nvPicPr>
+          <p:cNvPr id="2" name="Picture 1" descr="Layers.png"/>
+          <p:cNvPicPr>
+            <a:picLocks noChangeAspect="1"/>
+          </p:cNvPicPr>
+          <p:nvPr/>
+        </p:nvPicPr>
+        <p:blipFill>
+          <a:blip r:embed="rId2"/>
+          <a:stretch>
+            <a:fillRect/>
+          </a:stretch>
+        </p:blipFill>
+        <p:spPr>
+          <a:xfrm>
+            <a:off x="-1463040" y="-3657600"/>
+            <a:ext cx="11795760" cy="11795760"/>
+          </a:xfrm>
+          <a:prstGeom prst="rect">
+            <a:avLst/>
+          </a:prstGeom>
+        </p:spPr>
+      </p:pic>
+    </p:spTree>
+  </p:cSld>
+  <p:clrMapOvr>
+    <a:masterClrMapping/>
+  </p:clrMapOvr>
+</p:sld>
+</file>
+
 <file path=ppt/slides/slide7.xml><?xml version="1.0" encoding="utf-8"?>
 <p:sld xmlns:a="http://schemas.openxmlformats.org/drawingml/2006/main" xmlns:p="http://schemas.openxmlformats.org/presentationml/2006/main" xmlns:r="http://schemas.openxmlformats.org/officeDocument/2006/relationships">
   <p:cSld>
@@ -5745,7 +5972,511 @@
 </p:sld>
 </file>
 
+<file path=ppt/slides/slide70.xml><?xml version="1.0" encoding="utf-8"?>
+<p:sld xmlns:a="http://schemas.openxmlformats.org/drawingml/2006/main" xmlns:p="http://schemas.openxmlformats.org/presentationml/2006/main" xmlns:r="http://schemas.openxmlformats.org/officeDocument/2006/relationships">
+  <p:cSld>
+    <p:spTree>
+      <p:nvGrpSpPr>
+        <p:cNvPr id="1" name=""/>
+        <p:cNvGrpSpPr/>
+        <p:nvPr/>
+      </p:nvGrpSpPr>
+      <p:grpSpPr/>
+      <p:pic>
+        <p:nvPicPr>
+          <p:cNvPr id="2" name="Picture 1" descr="Layers.png"/>
+          <p:cNvPicPr>
+            <a:picLocks noChangeAspect="1"/>
+          </p:cNvPicPr>
+          <p:nvPr/>
+        </p:nvPicPr>
+        <p:blipFill>
+          <a:blip r:embed="rId2"/>
+          <a:stretch>
+            <a:fillRect/>
+          </a:stretch>
+        </p:blipFill>
+        <p:spPr>
+          <a:xfrm>
+            <a:off x="-1463040" y="-3657600"/>
+            <a:ext cx="11795760" cy="11795760"/>
+          </a:xfrm>
+          <a:prstGeom prst="rect">
+            <a:avLst/>
+          </a:prstGeom>
+        </p:spPr>
+      </p:pic>
+    </p:spTree>
+  </p:cSld>
+  <p:clrMapOvr>
+    <a:masterClrMapping/>
+  </p:clrMapOvr>
+</p:sld>
+</file>
+
+<file path=ppt/slides/slide71.xml><?xml version="1.0" encoding="utf-8"?>
+<p:sld xmlns:a="http://schemas.openxmlformats.org/drawingml/2006/main" xmlns:p="http://schemas.openxmlformats.org/presentationml/2006/main" xmlns:r="http://schemas.openxmlformats.org/officeDocument/2006/relationships">
+  <p:cSld>
+    <p:spTree>
+      <p:nvGrpSpPr>
+        <p:cNvPr id="1" name=""/>
+        <p:cNvGrpSpPr/>
+        <p:nvPr/>
+      </p:nvGrpSpPr>
+      <p:grpSpPr/>
+      <p:pic>
+        <p:nvPicPr>
+          <p:cNvPr id="2" name="Picture 1" descr="Layers.png"/>
+          <p:cNvPicPr>
+            <a:picLocks noChangeAspect="1"/>
+          </p:cNvPicPr>
+          <p:nvPr/>
+        </p:nvPicPr>
+        <p:blipFill>
+          <a:blip r:embed="rId2"/>
+          <a:stretch>
+            <a:fillRect/>
+          </a:stretch>
+        </p:blipFill>
+        <p:spPr>
+          <a:xfrm>
+            <a:off x="-1463040" y="-3657600"/>
+            <a:ext cx="11795760" cy="11795760"/>
+          </a:xfrm>
+          <a:prstGeom prst="rect">
+            <a:avLst/>
+          </a:prstGeom>
+        </p:spPr>
+      </p:pic>
+    </p:spTree>
+  </p:cSld>
+  <p:clrMapOvr>
+    <a:masterClrMapping/>
+  </p:clrMapOvr>
+</p:sld>
+</file>
+
+<file path=ppt/slides/slide72.xml><?xml version="1.0" encoding="utf-8"?>
+<p:sld xmlns:a="http://schemas.openxmlformats.org/drawingml/2006/main" xmlns:p="http://schemas.openxmlformats.org/presentationml/2006/main" xmlns:r="http://schemas.openxmlformats.org/officeDocument/2006/relationships">
+  <p:cSld>
+    <p:spTree>
+      <p:nvGrpSpPr>
+        <p:cNvPr id="1" name=""/>
+        <p:cNvGrpSpPr/>
+        <p:nvPr/>
+      </p:nvGrpSpPr>
+      <p:grpSpPr/>
+      <p:pic>
+        <p:nvPicPr>
+          <p:cNvPr id="2" name="Picture 1" descr="Layers.png"/>
+          <p:cNvPicPr>
+            <a:picLocks noChangeAspect="1"/>
+          </p:cNvPicPr>
+          <p:nvPr/>
+        </p:nvPicPr>
+        <p:blipFill>
+          <a:blip r:embed="rId2"/>
+          <a:stretch>
+            <a:fillRect/>
+          </a:stretch>
+        </p:blipFill>
+        <p:spPr>
+          <a:xfrm>
+            <a:off x="-1463040" y="-3657600"/>
+            <a:ext cx="11795760" cy="11795760"/>
+          </a:xfrm>
+          <a:prstGeom prst="rect">
+            <a:avLst/>
+          </a:prstGeom>
+        </p:spPr>
+      </p:pic>
+    </p:spTree>
+  </p:cSld>
+  <p:clrMapOvr>
+    <a:masterClrMapping/>
+  </p:clrMapOvr>
+</p:sld>
+</file>
+
+<file path=ppt/slides/slide73.xml><?xml version="1.0" encoding="utf-8"?>
+<p:sld xmlns:a="http://schemas.openxmlformats.org/drawingml/2006/main" xmlns:p="http://schemas.openxmlformats.org/presentationml/2006/main" xmlns:r="http://schemas.openxmlformats.org/officeDocument/2006/relationships">
+  <p:cSld>
+    <p:spTree>
+      <p:nvGrpSpPr>
+        <p:cNvPr id="1" name=""/>
+        <p:cNvGrpSpPr/>
+        <p:nvPr/>
+      </p:nvGrpSpPr>
+      <p:grpSpPr/>
+      <p:pic>
+        <p:nvPicPr>
+          <p:cNvPr id="2" name="Picture 1" descr="Layers.png"/>
+          <p:cNvPicPr>
+            <a:picLocks noChangeAspect="1"/>
+          </p:cNvPicPr>
+          <p:nvPr/>
+        </p:nvPicPr>
+        <p:blipFill>
+          <a:blip r:embed="rId2"/>
+          <a:stretch>
+            <a:fillRect/>
+          </a:stretch>
+        </p:blipFill>
+        <p:spPr>
+          <a:xfrm>
+            <a:off x="-1463040" y="-3657600"/>
+            <a:ext cx="11795760" cy="11795760"/>
+          </a:xfrm>
+          <a:prstGeom prst="rect">
+            <a:avLst/>
+          </a:prstGeom>
+        </p:spPr>
+      </p:pic>
+    </p:spTree>
+  </p:cSld>
+  <p:clrMapOvr>
+    <a:masterClrMapping/>
+  </p:clrMapOvr>
+</p:sld>
+</file>
+
+<file path=ppt/slides/slide74.xml><?xml version="1.0" encoding="utf-8"?>
+<p:sld xmlns:a="http://schemas.openxmlformats.org/drawingml/2006/main" xmlns:p="http://schemas.openxmlformats.org/presentationml/2006/main" xmlns:r="http://schemas.openxmlformats.org/officeDocument/2006/relationships">
+  <p:cSld>
+    <p:spTree>
+      <p:nvGrpSpPr>
+        <p:cNvPr id="1" name=""/>
+        <p:cNvGrpSpPr/>
+        <p:nvPr/>
+      </p:nvGrpSpPr>
+      <p:grpSpPr/>
+      <p:pic>
+        <p:nvPicPr>
+          <p:cNvPr id="2" name="Picture 1" descr="Layers.png"/>
+          <p:cNvPicPr>
+            <a:picLocks noChangeAspect="1"/>
+          </p:cNvPicPr>
+          <p:nvPr/>
+        </p:nvPicPr>
+        <p:blipFill>
+          <a:blip r:embed="rId2"/>
+          <a:stretch>
+            <a:fillRect/>
+          </a:stretch>
+        </p:blipFill>
+        <p:spPr>
+          <a:xfrm>
+            <a:off x="-1463040" y="-3657600"/>
+            <a:ext cx="11795760" cy="11795760"/>
+          </a:xfrm>
+          <a:prstGeom prst="rect">
+            <a:avLst/>
+          </a:prstGeom>
+        </p:spPr>
+      </p:pic>
+    </p:spTree>
+  </p:cSld>
+  <p:clrMapOvr>
+    <a:masterClrMapping/>
+  </p:clrMapOvr>
+</p:sld>
+</file>
+
+<file path=ppt/slides/slide75.xml><?xml version="1.0" encoding="utf-8"?>
+<p:sld xmlns:a="http://schemas.openxmlformats.org/drawingml/2006/main" xmlns:p="http://schemas.openxmlformats.org/presentationml/2006/main" xmlns:r="http://schemas.openxmlformats.org/officeDocument/2006/relationships">
+  <p:cSld>
+    <p:spTree>
+      <p:nvGrpSpPr>
+        <p:cNvPr id="1" name=""/>
+        <p:cNvGrpSpPr/>
+        <p:nvPr/>
+      </p:nvGrpSpPr>
+      <p:grpSpPr/>
+      <p:pic>
+        <p:nvPicPr>
+          <p:cNvPr id="2" name="Picture 1" descr="Layers.png"/>
+          <p:cNvPicPr>
+            <a:picLocks noChangeAspect="1"/>
+          </p:cNvPicPr>
+          <p:nvPr/>
+        </p:nvPicPr>
+        <p:blipFill>
+          <a:blip r:embed="rId2"/>
+          <a:stretch>
+            <a:fillRect/>
+          </a:stretch>
+        </p:blipFill>
+        <p:spPr>
+          <a:xfrm>
+            <a:off x="-1463040" y="-3657600"/>
+            <a:ext cx="11795760" cy="11795760"/>
+          </a:xfrm>
+          <a:prstGeom prst="rect">
+            <a:avLst/>
+          </a:prstGeom>
+        </p:spPr>
+      </p:pic>
+    </p:spTree>
+  </p:cSld>
+  <p:clrMapOvr>
+    <a:masterClrMapping/>
+  </p:clrMapOvr>
+</p:sld>
+</file>
+
+<file path=ppt/slides/slide76.xml><?xml version="1.0" encoding="utf-8"?>
+<p:sld xmlns:a="http://schemas.openxmlformats.org/drawingml/2006/main" xmlns:p="http://schemas.openxmlformats.org/presentationml/2006/main" xmlns:r="http://schemas.openxmlformats.org/officeDocument/2006/relationships">
+  <p:cSld>
+    <p:spTree>
+      <p:nvGrpSpPr>
+        <p:cNvPr id="1" name=""/>
+        <p:cNvGrpSpPr/>
+        <p:nvPr/>
+      </p:nvGrpSpPr>
+      <p:grpSpPr/>
+      <p:pic>
+        <p:nvPicPr>
+          <p:cNvPr id="2" name="Picture 1" descr="Layers.png"/>
+          <p:cNvPicPr>
+            <a:picLocks noChangeAspect="1"/>
+          </p:cNvPicPr>
+          <p:nvPr/>
+        </p:nvPicPr>
+        <p:blipFill>
+          <a:blip r:embed="rId2"/>
+          <a:stretch>
+            <a:fillRect/>
+          </a:stretch>
+        </p:blipFill>
+        <p:spPr>
+          <a:xfrm>
+            <a:off x="-1463040" y="-3657600"/>
+            <a:ext cx="11795760" cy="11795760"/>
+          </a:xfrm>
+          <a:prstGeom prst="rect">
+            <a:avLst/>
+          </a:prstGeom>
+        </p:spPr>
+      </p:pic>
+    </p:spTree>
+  </p:cSld>
+  <p:clrMapOvr>
+    <a:masterClrMapping/>
+  </p:clrMapOvr>
+</p:sld>
+</file>
+
+<file path=ppt/slides/slide77.xml><?xml version="1.0" encoding="utf-8"?>
+<p:sld xmlns:a="http://schemas.openxmlformats.org/drawingml/2006/main" xmlns:p="http://schemas.openxmlformats.org/presentationml/2006/main" xmlns:r="http://schemas.openxmlformats.org/officeDocument/2006/relationships">
+  <p:cSld>
+    <p:spTree>
+      <p:nvGrpSpPr>
+        <p:cNvPr id="1" name=""/>
+        <p:cNvGrpSpPr/>
+        <p:nvPr/>
+      </p:nvGrpSpPr>
+      <p:grpSpPr/>
+      <p:pic>
+        <p:nvPicPr>
+          <p:cNvPr id="2" name="Picture 1" descr="Layers.png"/>
+          <p:cNvPicPr>
+            <a:picLocks noChangeAspect="1"/>
+          </p:cNvPicPr>
+          <p:nvPr/>
+        </p:nvPicPr>
+        <p:blipFill>
+          <a:blip r:embed="rId2"/>
+          <a:stretch>
+            <a:fillRect/>
+          </a:stretch>
+        </p:blipFill>
+        <p:spPr>
+          <a:xfrm>
+            <a:off x="-1463040" y="-3657600"/>
+            <a:ext cx="11795760" cy="11795760"/>
+          </a:xfrm>
+          <a:prstGeom prst="rect">
+            <a:avLst/>
+          </a:prstGeom>
+        </p:spPr>
+      </p:pic>
+    </p:spTree>
+  </p:cSld>
+  <p:clrMapOvr>
+    <a:masterClrMapping/>
+  </p:clrMapOvr>
+</p:sld>
+</file>
+
+<file path=ppt/slides/slide78.xml><?xml version="1.0" encoding="utf-8"?>
+<p:sld xmlns:a="http://schemas.openxmlformats.org/drawingml/2006/main" xmlns:p="http://schemas.openxmlformats.org/presentationml/2006/main" xmlns:r="http://schemas.openxmlformats.org/officeDocument/2006/relationships">
+  <p:cSld>
+    <p:spTree>
+      <p:nvGrpSpPr>
+        <p:cNvPr id="1" name=""/>
+        <p:cNvGrpSpPr/>
+        <p:nvPr/>
+      </p:nvGrpSpPr>
+      <p:grpSpPr/>
+      <p:pic>
+        <p:nvPicPr>
+          <p:cNvPr id="2" name="Picture 1" descr="Layers.png"/>
+          <p:cNvPicPr>
+            <a:picLocks noChangeAspect="1"/>
+          </p:cNvPicPr>
+          <p:nvPr/>
+        </p:nvPicPr>
+        <p:blipFill>
+          <a:blip r:embed="rId2"/>
+          <a:stretch>
+            <a:fillRect/>
+          </a:stretch>
+        </p:blipFill>
+        <p:spPr>
+          <a:xfrm>
+            <a:off x="-1463040" y="-3657600"/>
+            <a:ext cx="11795760" cy="11795760"/>
+          </a:xfrm>
+          <a:prstGeom prst="rect">
+            <a:avLst/>
+          </a:prstGeom>
+        </p:spPr>
+      </p:pic>
+    </p:spTree>
+  </p:cSld>
+  <p:clrMapOvr>
+    <a:masterClrMapping/>
+  </p:clrMapOvr>
+</p:sld>
+</file>
+
+<file path=ppt/slides/slide79.xml><?xml version="1.0" encoding="utf-8"?>
+<p:sld xmlns:a="http://schemas.openxmlformats.org/drawingml/2006/main" xmlns:p="http://schemas.openxmlformats.org/presentationml/2006/main" xmlns:r="http://schemas.openxmlformats.org/officeDocument/2006/relationships">
+  <p:cSld>
+    <p:spTree>
+      <p:nvGrpSpPr>
+        <p:cNvPr id="1" name=""/>
+        <p:cNvGrpSpPr/>
+        <p:nvPr/>
+      </p:nvGrpSpPr>
+      <p:grpSpPr/>
+      <p:pic>
+        <p:nvPicPr>
+          <p:cNvPr id="2" name="Picture 1" descr="Layers.png"/>
+          <p:cNvPicPr>
+            <a:picLocks noChangeAspect="1"/>
+          </p:cNvPicPr>
+          <p:nvPr/>
+        </p:nvPicPr>
+        <p:blipFill>
+          <a:blip r:embed="rId2"/>
+          <a:stretch>
+            <a:fillRect/>
+          </a:stretch>
+        </p:blipFill>
+        <p:spPr>
+          <a:xfrm>
+            <a:off x="-1463040" y="-3657600"/>
+            <a:ext cx="11795760" cy="11795760"/>
+          </a:xfrm>
+          <a:prstGeom prst="rect">
+            <a:avLst/>
+          </a:prstGeom>
+        </p:spPr>
+      </p:pic>
+    </p:spTree>
+  </p:cSld>
+  <p:clrMapOvr>
+    <a:masterClrMapping/>
+  </p:clrMapOvr>
+</p:sld>
+</file>
+
 <file path=ppt/slides/slide8.xml><?xml version="1.0" encoding="utf-8"?>
+<p:sld xmlns:a="http://schemas.openxmlformats.org/drawingml/2006/main" xmlns:p="http://schemas.openxmlformats.org/presentationml/2006/main" xmlns:r="http://schemas.openxmlformats.org/officeDocument/2006/relationships">
+  <p:cSld>
+    <p:spTree>
+      <p:nvGrpSpPr>
+        <p:cNvPr id="1" name=""/>
+        <p:cNvGrpSpPr/>
+        <p:nvPr/>
+      </p:nvGrpSpPr>
+      <p:grpSpPr/>
+      <p:pic>
+        <p:nvPicPr>
+          <p:cNvPr id="2" name="Picture 1" descr="Layers.png"/>
+          <p:cNvPicPr>
+            <a:picLocks noChangeAspect="1"/>
+          </p:cNvPicPr>
+          <p:nvPr/>
+        </p:nvPicPr>
+        <p:blipFill>
+          <a:blip r:embed="rId2"/>
+          <a:stretch>
+            <a:fillRect/>
+          </a:stretch>
+        </p:blipFill>
+        <p:spPr>
+          <a:xfrm>
+            <a:off x="-1463040" y="-3657600"/>
+            <a:ext cx="11795760" cy="11795760"/>
+          </a:xfrm>
+          <a:prstGeom prst="rect">
+            <a:avLst/>
+          </a:prstGeom>
+        </p:spPr>
+      </p:pic>
+    </p:spTree>
+  </p:cSld>
+  <p:clrMapOvr>
+    <a:masterClrMapping/>
+  </p:clrMapOvr>
+</p:sld>
+</file>
+
+<file path=ppt/slides/slide80.xml><?xml version="1.0" encoding="utf-8"?>
+<p:sld xmlns:a="http://schemas.openxmlformats.org/drawingml/2006/main" xmlns:p="http://schemas.openxmlformats.org/presentationml/2006/main" xmlns:r="http://schemas.openxmlformats.org/officeDocument/2006/relationships">
+  <p:cSld>
+    <p:spTree>
+      <p:nvGrpSpPr>
+        <p:cNvPr id="1" name=""/>
+        <p:cNvGrpSpPr/>
+        <p:nvPr/>
+      </p:nvGrpSpPr>
+      <p:grpSpPr/>
+      <p:pic>
+        <p:nvPicPr>
+          <p:cNvPr id="2" name="Picture 1" descr="Layers.png"/>
+          <p:cNvPicPr>
+            <a:picLocks noChangeAspect="1"/>
+          </p:cNvPicPr>
+          <p:nvPr/>
+        </p:nvPicPr>
+        <p:blipFill>
+          <a:blip r:embed="rId2"/>
+          <a:stretch>
+            <a:fillRect/>
+          </a:stretch>
+        </p:blipFill>
+        <p:spPr>
+          <a:xfrm>
+            <a:off x="-1463040" y="-3657600"/>
+            <a:ext cx="11795760" cy="11795760"/>
+          </a:xfrm>
+          <a:prstGeom prst="rect">
+            <a:avLst/>
+          </a:prstGeom>
+        </p:spPr>
+      </p:pic>
+    </p:spTree>
+  </p:cSld>
+  <p:clrMapOvr>
+    <a:masterClrMapping/>
+  </p:clrMapOvr>
+</p:sld>
+</file>
+
+<file path=ppt/slides/slide81.xml><?xml version="1.0" encoding="utf-8"?>
 <p:sld xmlns:a="http://schemas.openxmlformats.org/drawingml/2006/main" xmlns:p="http://schemas.openxmlformats.org/presentationml/2006/main" xmlns:r="http://schemas.openxmlformats.org/officeDocument/2006/relationships">
   <p:cSld>
     <p:spTree>

--- a/Master_Pattern_cross.pptx
+++ b/Master_Pattern_cross.pptx
@@ -69,23 +69,6 @@
     <p:sldId id="317" r:id="rId68"/>
     <p:sldId id="318" r:id="rId69"/>
     <p:sldId id="319" r:id="rId70"/>
-    <p:sldId id="320" r:id="rId71"/>
-    <p:sldId id="321" r:id="rId72"/>
-    <p:sldId id="322" r:id="rId73"/>
-    <p:sldId id="323" r:id="rId74"/>
-    <p:sldId id="324" r:id="rId75"/>
-    <p:sldId id="325" r:id="rId76"/>
-    <p:sldId id="326" r:id="rId77"/>
-    <p:sldId id="327" r:id="rId78"/>
-    <p:sldId id="328" r:id="rId79"/>
-    <p:sldId id="329" r:id="rId80"/>
-    <p:sldId id="330" r:id="rId81"/>
-    <p:sldId id="331" r:id="rId82"/>
-    <p:sldId id="332" r:id="rId83"/>
-    <p:sldId id="333" r:id="rId84"/>
-    <p:sldId id="334" r:id="rId85"/>
-    <p:sldId id="335" r:id="rId86"/>
-    <p:sldId id="336" r:id="rId87"/>
   </p:sldIdLst>
   <p:sldSz cx="9144000" cy="6858000" type="screen4x3"/>
   <p:notesSz cx="6858000" cy="9144000"/>
@@ -5720,216 +5703,6 @@
 </p:sld>
 </file>
 
-<file path=ppt/slides/slide65.xml><?xml version="1.0" encoding="utf-8"?>
-<p:sld xmlns:a="http://schemas.openxmlformats.org/drawingml/2006/main" xmlns:p="http://schemas.openxmlformats.org/presentationml/2006/main" xmlns:r="http://schemas.openxmlformats.org/officeDocument/2006/relationships">
-  <p:cSld>
-    <p:spTree>
-      <p:nvGrpSpPr>
-        <p:cNvPr id="1" name=""/>
-        <p:cNvGrpSpPr/>
-        <p:nvPr/>
-      </p:nvGrpSpPr>
-      <p:grpSpPr/>
-      <p:pic>
-        <p:nvPicPr>
-          <p:cNvPr id="2" name="Picture 1" descr="Layers.png"/>
-          <p:cNvPicPr>
-            <a:picLocks noChangeAspect="1"/>
-          </p:cNvPicPr>
-          <p:nvPr/>
-        </p:nvPicPr>
-        <p:blipFill>
-          <a:blip r:embed="rId2"/>
-          <a:stretch>
-            <a:fillRect/>
-          </a:stretch>
-        </p:blipFill>
-        <p:spPr>
-          <a:xfrm>
-            <a:off x="-1463040" y="-3657600"/>
-            <a:ext cx="11795760" cy="11795760"/>
-          </a:xfrm>
-          <a:prstGeom prst="rect">
-            <a:avLst/>
-          </a:prstGeom>
-        </p:spPr>
-      </p:pic>
-    </p:spTree>
-  </p:cSld>
-  <p:clrMapOvr>
-    <a:masterClrMapping/>
-  </p:clrMapOvr>
-</p:sld>
-</file>
-
-<file path=ppt/slides/slide66.xml><?xml version="1.0" encoding="utf-8"?>
-<p:sld xmlns:a="http://schemas.openxmlformats.org/drawingml/2006/main" xmlns:p="http://schemas.openxmlformats.org/presentationml/2006/main" xmlns:r="http://schemas.openxmlformats.org/officeDocument/2006/relationships">
-  <p:cSld>
-    <p:spTree>
-      <p:nvGrpSpPr>
-        <p:cNvPr id="1" name=""/>
-        <p:cNvGrpSpPr/>
-        <p:nvPr/>
-      </p:nvGrpSpPr>
-      <p:grpSpPr/>
-      <p:pic>
-        <p:nvPicPr>
-          <p:cNvPr id="2" name="Picture 1" descr="Layers.png"/>
-          <p:cNvPicPr>
-            <a:picLocks noChangeAspect="1"/>
-          </p:cNvPicPr>
-          <p:nvPr/>
-        </p:nvPicPr>
-        <p:blipFill>
-          <a:blip r:embed="rId2"/>
-          <a:stretch>
-            <a:fillRect/>
-          </a:stretch>
-        </p:blipFill>
-        <p:spPr>
-          <a:xfrm>
-            <a:off x="-1463040" y="-3657600"/>
-            <a:ext cx="11795760" cy="11795760"/>
-          </a:xfrm>
-          <a:prstGeom prst="rect">
-            <a:avLst/>
-          </a:prstGeom>
-        </p:spPr>
-      </p:pic>
-    </p:spTree>
-  </p:cSld>
-  <p:clrMapOvr>
-    <a:masterClrMapping/>
-  </p:clrMapOvr>
-</p:sld>
-</file>
-
-<file path=ppt/slides/slide67.xml><?xml version="1.0" encoding="utf-8"?>
-<p:sld xmlns:a="http://schemas.openxmlformats.org/drawingml/2006/main" xmlns:p="http://schemas.openxmlformats.org/presentationml/2006/main" xmlns:r="http://schemas.openxmlformats.org/officeDocument/2006/relationships">
-  <p:cSld>
-    <p:spTree>
-      <p:nvGrpSpPr>
-        <p:cNvPr id="1" name=""/>
-        <p:cNvGrpSpPr/>
-        <p:nvPr/>
-      </p:nvGrpSpPr>
-      <p:grpSpPr/>
-      <p:pic>
-        <p:nvPicPr>
-          <p:cNvPr id="2" name="Picture 1" descr="Layers.png"/>
-          <p:cNvPicPr>
-            <a:picLocks noChangeAspect="1"/>
-          </p:cNvPicPr>
-          <p:nvPr/>
-        </p:nvPicPr>
-        <p:blipFill>
-          <a:blip r:embed="rId2"/>
-          <a:stretch>
-            <a:fillRect/>
-          </a:stretch>
-        </p:blipFill>
-        <p:spPr>
-          <a:xfrm>
-            <a:off x="-1463040" y="-3657600"/>
-            <a:ext cx="11795760" cy="11795760"/>
-          </a:xfrm>
-          <a:prstGeom prst="rect">
-            <a:avLst/>
-          </a:prstGeom>
-        </p:spPr>
-      </p:pic>
-    </p:spTree>
-  </p:cSld>
-  <p:clrMapOvr>
-    <a:masterClrMapping/>
-  </p:clrMapOvr>
-</p:sld>
-</file>
-
-<file path=ppt/slides/slide68.xml><?xml version="1.0" encoding="utf-8"?>
-<p:sld xmlns:a="http://schemas.openxmlformats.org/drawingml/2006/main" xmlns:p="http://schemas.openxmlformats.org/presentationml/2006/main" xmlns:r="http://schemas.openxmlformats.org/officeDocument/2006/relationships">
-  <p:cSld>
-    <p:spTree>
-      <p:nvGrpSpPr>
-        <p:cNvPr id="1" name=""/>
-        <p:cNvGrpSpPr/>
-        <p:nvPr/>
-      </p:nvGrpSpPr>
-      <p:grpSpPr/>
-      <p:pic>
-        <p:nvPicPr>
-          <p:cNvPr id="2" name="Picture 1" descr="Layers.png"/>
-          <p:cNvPicPr>
-            <a:picLocks noChangeAspect="1"/>
-          </p:cNvPicPr>
-          <p:nvPr/>
-        </p:nvPicPr>
-        <p:blipFill>
-          <a:blip r:embed="rId2"/>
-          <a:stretch>
-            <a:fillRect/>
-          </a:stretch>
-        </p:blipFill>
-        <p:spPr>
-          <a:xfrm>
-            <a:off x="-1463040" y="-3657600"/>
-            <a:ext cx="11795760" cy="11795760"/>
-          </a:xfrm>
-          <a:prstGeom prst="rect">
-            <a:avLst/>
-          </a:prstGeom>
-        </p:spPr>
-      </p:pic>
-    </p:spTree>
-  </p:cSld>
-  <p:clrMapOvr>
-    <a:masterClrMapping/>
-  </p:clrMapOvr>
-</p:sld>
-</file>
-
-<file path=ppt/slides/slide69.xml><?xml version="1.0" encoding="utf-8"?>
-<p:sld xmlns:a="http://schemas.openxmlformats.org/drawingml/2006/main" xmlns:p="http://schemas.openxmlformats.org/presentationml/2006/main" xmlns:r="http://schemas.openxmlformats.org/officeDocument/2006/relationships">
-  <p:cSld>
-    <p:spTree>
-      <p:nvGrpSpPr>
-        <p:cNvPr id="1" name=""/>
-        <p:cNvGrpSpPr/>
-        <p:nvPr/>
-      </p:nvGrpSpPr>
-      <p:grpSpPr/>
-      <p:pic>
-        <p:nvPicPr>
-          <p:cNvPr id="2" name="Picture 1" descr="Layers.png"/>
-          <p:cNvPicPr>
-            <a:picLocks noChangeAspect="1"/>
-          </p:cNvPicPr>
-          <p:nvPr/>
-        </p:nvPicPr>
-        <p:blipFill>
-          <a:blip r:embed="rId2"/>
-          <a:stretch>
-            <a:fillRect/>
-          </a:stretch>
-        </p:blipFill>
-        <p:spPr>
-          <a:xfrm>
-            <a:off x="-1463040" y="-3657600"/>
-            <a:ext cx="11795760" cy="11795760"/>
-          </a:xfrm>
-          <a:prstGeom prst="rect">
-            <a:avLst/>
-          </a:prstGeom>
-        </p:spPr>
-      </p:pic>
-    </p:spTree>
-  </p:cSld>
-  <p:clrMapOvr>
-    <a:masterClrMapping/>
-  </p:clrMapOvr>
-</p:sld>
-</file>
-
 <file path=ppt/slides/slide7.xml><?xml version="1.0" encoding="utf-8"?>
 <p:sld xmlns:a="http://schemas.openxmlformats.org/drawingml/2006/main" xmlns:p="http://schemas.openxmlformats.org/presentationml/2006/main" xmlns:r="http://schemas.openxmlformats.org/officeDocument/2006/relationships">
   <p:cSld>
@@ -5972,511 +5745,7 @@
 </p:sld>
 </file>
 
-<file path=ppt/slides/slide70.xml><?xml version="1.0" encoding="utf-8"?>
-<p:sld xmlns:a="http://schemas.openxmlformats.org/drawingml/2006/main" xmlns:p="http://schemas.openxmlformats.org/presentationml/2006/main" xmlns:r="http://schemas.openxmlformats.org/officeDocument/2006/relationships">
-  <p:cSld>
-    <p:spTree>
-      <p:nvGrpSpPr>
-        <p:cNvPr id="1" name=""/>
-        <p:cNvGrpSpPr/>
-        <p:nvPr/>
-      </p:nvGrpSpPr>
-      <p:grpSpPr/>
-      <p:pic>
-        <p:nvPicPr>
-          <p:cNvPr id="2" name="Picture 1" descr="Layers.png"/>
-          <p:cNvPicPr>
-            <a:picLocks noChangeAspect="1"/>
-          </p:cNvPicPr>
-          <p:nvPr/>
-        </p:nvPicPr>
-        <p:blipFill>
-          <a:blip r:embed="rId2"/>
-          <a:stretch>
-            <a:fillRect/>
-          </a:stretch>
-        </p:blipFill>
-        <p:spPr>
-          <a:xfrm>
-            <a:off x="-1463040" y="-3657600"/>
-            <a:ext cx="11795760" cy="11795760"/>
-          </a:xfrm>
-          <a:prstGeom prst="rect">
-            <a:avLst/>
-          </a:prstGeom>
-        </p:spPr>
-      </p:pic>
-    </p:spTree>
-  </p:cSld>
-  <p:clrMapOvr>
-    <a:masterClrMapping/>
-  </p:clrMapOvr>
-</p:sld>
-</file>
-
-<file path=ppt/slides/slide71.xml><?xml version="1.0" encoding="utf-8"?>
-<p:sld xmlns:a="http://schemas.openxmlformats.org/drawingml/2006/main" xmlns:p="http://schemas.openxmlformats.org/presentationml/2006/main" xmlns:r="http://schemas.openxmlformats.org/officeDocument/2006/relationships">
-  <p:cSld>
-    <p:spTree>
-      <p:nvGrpSpPr>
-        <p:cNvPr id="1" name=""/>
-        <p:cNvGrpSpPr/>
-        <p:nvPr/>
-      </p:nvGrpSpPr>
-      <p:grpSpPr/>
-      <p:pic>
-        <p:nvPicPr>
-          <p:cNvPr id="2" name="Picture 1" descr="Layers.png"/>
-          <p:cNvPicPr>
-            <a:picLocks noChangeAspect="1"/>
-          </p:cNvPicPr>
-          <p:nvPr/>
-        </p:nvPicPr>
-        <p:blipFill>
-          <a:blip r:embed="rId2"/>
-          <a:stretch>
-            <a:fillRect/>
-          </a:stretch>
-        </p:blipFill>
-        <p:spPr>
-          <a:xfrm>
-            <a:off x="-1463040" y="-3657600"/>
-            <a:ext cx="11795760" cy="11795760"/>
-          </a:xfrm>
-          <a:prstGeom prst="rect">
-            <a:avLst/>
-          </a:prstGeom>
-        </p:spPr>
-      </p:pic>
-    </p:spTree>
-  </p:cSld>
-  <p:clrMapOvr>
-    <a:masterClrMapping/>
-  </p:clrMapOvr>
-</p:sld>
-</file>
-
-<file path=ppt/slides/slide72.xml><?xml version="1.0" encoding="utf-8"?>
-<p:sld xmlns:a="http://schemas.openxmlformats.org/drawingml/2006/main" xmlns:p="http://schemas.openxmlformats.org/presentationml/2006/main" xmlns:r="http://schemas.openxmlformats.org/officeDocument/2006/relationships">
-  <p:cSld>
-    <p:spTree>
-      <p:nvGrpSpPr>
-        <p:cNvPr id="1" name=""/>
-        <p:cNvGrpSpPr/>
-        <p:nvPr/>
-      </p:nvGrpSpPr>
-      <p:grpSpPr/>
-      <p:pic>
-        <p:nvPicPr>
-          <p:cNvPr id="2" name="Picture 1" descr="Layers.png"/>
-          <p:cNvPicPr>
-            <a:picLocks noChangeAspect="1"/>
-          </p:cNvPicPr>
-          <p:nvPr/>
-        </p:nvPicPr>
-        <p:blipFill>
-          <a:blip r:embed="rId2"/>
-          <a:stretch>
-            <a:fillRect/>
-          </a:stretch>
-        </p:blipFill>
-        <p:spPr>
-          <a:xfrm>
-            <a:off x="-1463040" y="-3657600"/>
-            <a:ext cx="11795760" cy="11795760"/>
-          </a:xfrm>
-          <a:prstGeom prst="rect">
-            <a:avLst/>
-          </a:prstGeom>
-        </p:spPr>
-      </p:pic>
-    </p:spTree>
-  </p:cSld>
-  <p:clrMapOvr>
-    <a:masterClrMapping/>
-  </p:clrMapOvr>
-</p:sld>
-</file>
-
-<file path=ppt/slides/slide73.xml><?xml version="1.0" encoding="utf-8"?>
-<p:sld xmlns:a="http://schemas.openxmlformats.org/drawingml/2006/main" xmlns:p="http://schemas.openxmlformats.org/presentationml/2006/main" xmlns:r="http://schemas.openxmlformats.org/officeDocument/2006/relationships">
-  <p:cSld>
-    <p:spTree>
-      <p:nvGrpSpPr>
-        <p:cNvPr id="1" name=""/>
-        <p:cNvGrpSpPr/>
-        <p:nvPr/>
-      </p:nvGrpSpPr>
-      <p:grpSpPr/>
-      <p:pic>
-        <p:nvPicPr>
-          <p:cNvPr id="2" name="Picture 1" descr="Layers.png"/>
-          <p:cNvPicPr>
-            <a:picLocks noChangeAspect="1"/>
-          </p:cNvPicPr>
-          <p:nvPr/>
-        </p:nvPicPr>
-        <p:blipFill>
-          <a:blip r:embed="rId2"/>
-          <a:stretch>
-            <a:fillRect/>
-          </a:stretch>
-        </p:blipFill>
-        <p:spPr>
-          <a:xfrm>
-            <a:off x="-1463040" y="-3657600"/>
-            <a:ext cx="11795760" cy="11795760"/>
-          </a:xfrm>
-          <a:prstGeom prst="rect">
-            <a:avLst/>
-          </a:prstGeom>
-        </p:spPr>
-      </p:pic>
-    </p:spTree>
-  </p:cSld>
-  <p:clrMapOvr>
-    <a:masterClrMapping/>
-  </p:clrMapOvr>
-</p:sld>
-</file>
-
-<file path=ppt/slides/slide74.xml><?xml version="1.0" encoding="utf-8"?>
-<p:sld xmlns:a="http://schemas.openxmlformats.org/drawingml/2006/main" xmlns:p="http://schemas.openxmlformats.org/presentationml/2006/main" xmlns:r="http://schemas.openxmlformats.org/officeDocument/2006/relationships">
-  <p:cSld>
-    <p:spTree>
-      <p:nvGrpSpPr>
-        <p:cNvPr id="1" name=""/>
-        <p:cNvGrpSpPr/>
-        <p:nvPr/>
-      </p:nvGrpSpPr>
-      <p:grpSpPr/>
-      <p:pic>
-        <p:nvPicPr>
-          <p:cNvPr id="2" name="Picture 1" descr="Layers.png"/>
-          <p:cNvPicPr>
-            <a:picLocks noChangeAspect="1"/>
-          </p:cNvPicPr>
-          <p:nvPr/>
-        </p:nvPicPr>
-        <p:blipFill>
-          <a:blip r:embed="rId2"/>
-          <a:stretch>
-            <a:fillRect/>
-          </a:stretch>
-        </p:blipFill>
-        <p:spPr>
-          <a:xfrm>
-            <a:off x="-1463040" y="-3657600"/>
-            <a:ext cx="11795760" cy="11795760"/>
-          </a:xfrm>
-          <a:prstGeom prst="rect">
-            <a:avLst/>
-          </a:prstGeom>
-        </p:spPr>
-      </p:pic>
-    </p:spTree>
-  </p:cSld>
-  <p:clrMapOvr>
-    <a:masterClrMapping/>
-  </p:clrMapOvr>
-</p:sld>
-</file>
-
-<file path=ppt/slides/slide75.xml><?xml version="1.0" encoding="utf-8"?>
-<p:sld xmlns:a="http://schemas.openxmlformats.org/drawingml/2006/main" xmlns:p="http://schemas.openxmlformats.org/presentationml/2006/main" xmlns:r="http://schemas.openxmlformats.org/officeDocument/2006/relationships">
-  <p:cSld>
-    <p:spTree>
-      <p:nvGrpSpPr>
-        <p:cNvPr id="1" name=""/>
-        <p:cNvGrpSpPr/>
-        <p:nvPr/>
-      </p:nvGrpSpPr>
-      <p:grpSpPr/>
-      <p:pic>
-        <p:nvPicPr>
-          <p:cNvPr id="2" name="Picture 1" descr="Layers.png"/>
-          <p:cNvPicPr>
-            <a:picLocks noChangeAspect="1"/>
-          </p:cNvPicPr>
-          <p:nvPr/>
-        </p:nvPicPr>
-        <p:blipFill>
-          <a:blip r:embed="rId2"/>
-          <a:stretch>
-            <a:fillRect/>
-          </a:stretch>
-        </p:blipFill>
-        <p:spPr>
-          <a:xfrm>
-            <a:off x="-1463040" y="-3657600"/>
-            <a:ext cx="11795760" cy="11795760"/>
-          </a:xfrm>
-          <a:prstGeom prst="rect">
-            <a:avLst/>
-          </a:prstGeom>
-        </p:spPr>
-      </p:pic>
-    </p:spTree>
-  </p:cSld>
-  <p:clrMapOvr>
-    <a:masterClrMapping/>
-  </p:clrMapOvr>
-</p:sld>
-</file>
-
-<file path=ppt/slides/slide76.xml><?xml version="1.0" encoding="utf-8"?>
-<p:sld xmlns:a="http://schemas.openxmlformats.org/drawingml/2006/main" xmlns:p="http://schemas.openxmlformats.org/presentationml/2006/main" xmlns:r="http://schemas.openxmlformats.org/officeDocument/2006/relationships">
-  <p:cSld>
-    <p:spTree>
-      <p:nvGrpSpPr>
-        <p:cNvPr id="1" name=""/>
-        <p:cNvGrpSpPr/>
-        <p:nvPr/>
-      </p:nvGrpSpPr>
-      <p:grpSpPr/>
-      <p:pic>
-        <p:nvPicPr>
-          <p:cNvPr id="2" name="Picture 1" descr="Layers.png"/>
-          <p:cNvPicPr>
-            <a:picLocks noChangeAspect="1"/>
-          </p:cNvPicPr>
-          <p:nvPr/>
-        </p:nvPicPr>
-        <p:blipFill>
-          <a:blip r:embed="rId2"/>
-          <a:stretch>
-            <a:fillRect/>
-          </a:stretch>
-        </p:blipFill>
-        <p:spPr>
-          <a:xfrm>
-            <a:off x="-1463040" y="-3657600"/>
-            <a:ext cx="11795760" cy="11795760"/>
-          </a:xfrm>
-          <a:prstGeom prst="rect">
-            <a:avLst/>
-          </a:prstGeom>
-        </p:spPr>
-      </p:pic>
-    </p:spTree>
-  </p:cSld>
-  <p:clrMapOvr>
-    <a:masterClrMapping/>
-  </p:clrMapOvr>
-</p:sld>
-</file>
-
-<file path=ppt/slides/slide77.xml><?xml version="1.0" encoding="utf-8"?>
-<p:sld xmlns:a="http://schemas.openxmlformats.org/drawingml/2006/main" xmlns:p="http://schemas.openxmlformats.org/presentationml/2006/main" xmlns:r="http://schemas.openxmlformats.org/officeDocument/2006/relationships">
-  <p:cSld>
-    <p:spTree>
-      <p:nvGrpSpPr>
-        <p:cNvPr id="1" name=""/>
-        <p:cNvGrpSpPr/>
-        <p:nvPr/>
-      </p:nvGrpSpPr>
-      <p:grpSpPr/>
-      <p:pic>
-        <p:nvPicPr>
-          <p:cNvPr id="2" name="Picture 1" descr="Layers.png"/>
-          <p:cNvPicPr>
-            <a:picLocks noChangeAspect="1"/>
-          </p:cNvPicPr>
-          <p:nvPr/>
-        </p:nvPicPr>
-        <p:blipFill>
-          <a:blip r:embed="rId2"/>
-          <a:stretch>
-            <a:fillRect/>
-          </a:stretch>
-        </p:blipFill>
-        <p:spPr>
-          <a:xfrm>
-            <a:off x="-1463040" y="-3657600"/>
-            <a:ext cx="11795760" cy="11795760"/>
-          </a:xfrm>
-          <a:prstGeom prst="rect">
-            <a:avLst/>
-          </a:prstGeom>
-        </p:spPr>
-      </p:pic>
-    </p:spTree>
-  </p:cSld>
-  <p:clrMapOvr>
-    <a:masterClrMapping/>
-  </p:clrMapOvr>
-</p:sld>
-</file>
-
-<file path=ppt/slides/slide78.xml><?xml version="1.0" encoding="utf-8"?>
-<p:sld xmlns:a="http://schemas.openxmlformats.org/drawingml/2006/main" xmlns:p="http://schemas.openxmlformats.org/presentationml/2006/main" xmlns:r="http://schemas.openxmlformats.org/officeDocument/2006/relationships">
-  <p:cSld>
-    <p:spTree>
-      <p:nvGrpSpPr>
-        <p:cNvPr id="1" name=""/>
-        <p:cNvGrpSpPr/>
-        <p:nvPr/>
-      </p:nvGrpSpPr>
-      <p:grpSpPr/>
-      <p:pic>
-        <p:nvPicPr>
-          <p:cNvPr id="2" name="Picture 1" descr="Layers.png"/>
-          <p:cNvPicPr>
-            <a:picLocks noChangeAspect="1"/>
-          </p:cNvPicPr>
-          <p:nvPr/>
-        </p:nvPicPr>
-        <p:blipFill>
-          <a:blip r:embed="rId2"/>
-          <a:stretch>
-            <a:fillRect/>
-          </a:stretch>
-        </p:blipFill>
-        <p:spPr>
-          <a:xfrm>
-            <a:off x="-1463040" y="-3657600"/>
-            <a:ext cx="11795760" cy="11795760"/>
-          </a:xfrm>
-          <a:prstGeom prst="rect">
-            <a:avLst/>
-          </a:prstGeom>
-        </p:spPr>
-      </p:pic>
-    </p:spTree>
-  </p:cSld>
-  <p:clrMapOvr>
-    <a:masterClrMapping/>
-  </p:clrMapOvr>
-</p:sld>
-</file>
-
-<file path=ppt/slides/slide79.xml><?xml version="1.0" encoding="utf-8"?>
-<p:sld xmlns:a="http://schemas.openxmlformats.org/drawingml/2006/main" xmlns:p="http://schemas.openxmlformats.org/presentationml/2006/main" xmlns:r="http://schemas.openxmlformats.org/officeDocument/2006/relationships">
-  <p:cSld>
-    <p:spTree>
-      <p:nvGrpSpPr>
-        <p:cNvPr id="1" name=""/>
-        <p:cNvGrpSpPr/>
-        <p:nvPr/>
-      </p:nvGrpSpPr>
-      <p:grpSpPr/>
-      <p:pic>
-        <p:nvPicPr>
-          <p:cNvPr id="2" name="Picture 1" descr="Layers.png"/>
-          <p:cNvPicPr>
-            <a:picLocks noChangeAspect="1"/>
-          </p:cNvPicPr>
-          <p:nvPr/>
-        </p:nvPicPr>
-        <p:blipFill>
-          <a:blip r:embed="rId2"/>
-          <a:stretch>
-            <a:fillRect/>
-          </a:stretch>
-        </p:blipFill>
-        <p:spPr>
-          <a:xfrm>
-            <a:off x="-1463040" y="-3657600"/>
-            <a:ext cx="11795760" cy="11795760"/>
-          </a:xfrm>
-          <a:prstGeom prst="rect">
-            <a:avLst/>
-          </a:prstGeom>
-        </p:spPr>
-      </p:pic>
-    </p:spTree>
-  </p:cSld>
-  <p:clrMapOvr>
-    <a:masterClrMapping/>
-  </p:clrMapOvr>
-</p:sld>
-</file>
-
 <file path=ppt/slides/slide8.xml><?xml version="1.0" encoding="utf-8"?>
-<p:sld xmlns:a="http://schemas.openxmlformats.org/drawingml/2006/main" xmlns:p="http://schemas.openxmlformats.org/presentationml/2006/main" xmlns:r="http://schemas.openxmlformats.org/officeDocument/2006/relationships">
-  <p:cSld>
-    <p:spTree>
-      <p:nvGrpSpPr>
-        <p:cNvPr id="1" name=""/>
-        <p:cNvGrpSpPr/>
-        <p:nvPr/>
-      </p:nvGrpSpPr>
-      <p:grpSpPr/>
-      <p:pic>
-        <p:nvPicPr>
-          <p:cNvPr id="2" name="Picture 1" descr="Layers.png"/>
-          <p:cNvPicPr>
-            <a:picLocks noChangeAspect="1"/>
-          </p:cNvPicPr>
-          <p:nvPr/>
-        </p:nvPicPr>
-        <p:blipFill>
-          <a:blip r:embed="rId2"/>
-          <a:stretch>
-            <a:fillRect/>
-          </a:stretch>
-        </p:blipFill>
-        <p:spPr>
-          <a:xfrm>
-            <a:off x="-1463040" y="-3657600"/>
-            <a:ext cx="11795760" cy="11795760"/>
-          </a:xfrm>
-          <a:prstGeom prst="rect">
-            <a:avLst/>
-          </a:prstGeom>
-        </p:spPr>
-      </p:pic>
-    </p:spTree>
-  </p:cSld>
-  <p:clrMapOvr>
-    <a:masterClrMapping/>
-  </p:clrMapOvr>
-</p:sld>
-</file>
-
-<file path=ppt/slides/slide80.xml><?xml version="1.0" encoding="utf-8"?>
-<p:sld xmlns:a="http://schemas.openxmlformats.org/drawingml/2006/main" xmlns:p="http://schemas.openxmlformats.org/presentationml/2006/main" xmlns:r="http://schemas.openxmlformats.org/officeDocument/2006/relationships">
-  <p:cSld>
-    <p:spTree>
-      <p:nvGrpSpPr>
-        <p:cNvPr id="1" name=""/>
-        <p:cNvGrpSpPr/>
-        <p:nvPr/>
-      </p:nvGrpSpPr>
-      <p:grpSpPr/>
-      <p:pic>
-        <p:nvPicPr>
-          <p:cNvPr id="2" name="Picture 1" descr="Layers.png"/>
-          <p:cNvPicPr>
-            <a:picLocks noChangeAspect="1"/>
-          </p:cNvPicPr>
-          <p:nvPr/>
-        </p:nvPicPr>
-        <p:blipFill>
-          <a:blip r:embed="rId2"/>
-          <a:stretch>
-            <a:fillRect/>
-          </a:stretch>
-        </p:blipFill>
-        <p:spPr>
-          <a:xfrm>
-            <a:off x="-1463040" y="-3657600"/>
-            <a:ext cx="11795760" cy="11795760"/>
-          </a:xfrm>
-          <a:prstGeom prst="rect">
-            <a:avLst/>
-          </a:prstGeom>
-        </p:spPr>
-      </p:pic>
-    </p:spTree>
-  </p:cSld>
-  <p:clrMapOvr>
-    <a:masterClrMapping/>
-  </p:clrMapOvr>
-</p:sld>
-</file>
-
-<file path=ppt/slides/slide81.xml><?xml version="1.0" encoding="utf-8"?>
 <p:sld xmlns:a="http://schemas.openxmlformats.org/drawingml/2006/main" xmlns:p="http://schemas.openxmlformats.org/presentationml/2006/main" xmlns:r="http://schemas.openxmlformats.org/officeDocument/2006/relationships">
   <p:cSld>
     <p:spTree>

--- a/Master_Pattern_cross.pptx
+++ b/Master_Pattern_cross.pptx
@@ -9,66 +9,6 @@
     <p:sldId id="257" r:id="rId8"/>
     <p:sldId id="258" r:id="rId9"/>
     <p:sldId id="259" r:id="rId10"/>
-    <p:sldId id="260" r:id="rId11"/>
-    <p:sldId id="261" r:id="rId12"/>
-    <p:sldId id="262" r:id="rId13"/>
-    <p:sldId id="263" r:id="rId14"/>
-    <p:sldId id="264" r:id="rId15"/>
-    <p:sldId id="265" r:id="rId16"/>
-    <p:sldId id="266" r:id="rId17"/>
-    <p:sldId id="267" r:id="rId18"/>
-    <p:sldId id="268" r:id="rId19"/>
-    <p:sldId id="269" r:id="rId20"/>
-    <p:sldId id="270" r:id="rId21"/>
-    <p:sldId id="271" r:id="rId22"/>
-    <p:sldId id="272" r:id="rId23"/>
-    <p:sldId id="273" r:id="rId24"/>
-    <p:sldId id="274" r:id="rId25"/>
-    <p:sldId id="275" r:id="rId26"/>
-    <p:sldId id="276" r:id="rId27"/>
-    <p:sldId id="277" r:id="rId28"/>
-    <p:sldId id="278" r:id="rId29"/>
-    <p:sldId id="279" r:id="rId30"/>
-    <p:sldId id="280" r:id="rId31"/>
-    <p:sldId id="281" r:id="rId32"/>
-    <p:sldId id="282" r:id="rId33"/>
-    <p:sldId id="283" r:id="rId34"/>
-    <p:sldId id="284" r:id="rId35"/>
-    <p:sldId id="285" r:id="rId36"/>
-    <p:sldId id="286" r:id="rId37"/>
-    <p:sldId id="287" r:id="rId38"/>
-    <p:sldId id="288" r:id="rId39"/>
-    <p:sldId id="289" r:id="rId40"/>
-    <p:sldId id="290" r:id="rId41"/>
-    <p:sldId id="291" r:id="rId42"/>
-    <p:sldId id="292" r:id="rId43"/>
-    <p:sldId id="293" r:id="rId44"/>
-    <p:sldId id="294" r:id="rId45"/>
-    <p:sldId id="295" r:id="rId46"/>
-    <p:sldId id="296" r:id="rId47"/>
-    <p:sldId id="297" r:id="rId48"/>
-    <p:sldId id="298" r:id="rId49"/>
-    <p:sldId id="299" r:id="rId50"/>
-    <p:sldId id="300" r:id="rId51"/>
-    <p:sldId id="301" r:id="rId52"/>
-    <p:sldId id="302" r:id="rId53"/>
-    <p:sldId id="303" r:id="rId54"/>
-    <p:sldId id="304" r:id="rId55"/>
-    <p:sldId id="305" r:id="rId56"/>
-    <p:sldId id="306" r:id="rId57"/>
-    <p:sldId id="307" r:id="rId58"/>
-    <p:sldId id="308" r:id="rId59"/>
-    <p:sldId id="309" r:id="rId60"/>
-    <p:sldId id="310" r:id="rId61"/>
-    <p:sldId id="311" r:id="rId62"/>
-    <p:sldId id="312" r:id="rId63"/>
-    <p:sldId id="313" r:id="rId64"/>
-    <p:sldId id="314" r:id="rId65"/>
-    <p:sldId id="315" r:id="rId66"/>
-    <p:sldId id="316" r:id="rId67"/>
-    <p:sldId id="317" r:id="rId68"/>
-    <p:sldId id="318" r:id="rId69"/>
-    <p:sldId id="319" r:id="rId70"/>
   </p:sldIdLst>
   <p:sldSz cx="9144000" cy="6858000" type="screen4x3"/>
   <p:notesSz cx="6858000" cy="9144000"/>
@@ -3183,847 +3123,7 @@
 </p:sld>
 </file>
 
-<file path=ppt/slides/slide10.xml><?xml version="1.0" encoding="utf-8"?>
-<p:sld xmlns:a="http://schemas.openxmlformats.org/drawingml/2006/main" xmlns:p="http://schemas.openxmlformats.org/presentationml/2006/main" xmlns:r="http://schemas.openxmlformats.org/officeDocument/2006/relationships">
-  <p:cSld>
-    <p:spTree>
-      <p:nvGrpSpPr>
-        <p:cNvPr id="1" name=""/>
-        <p:cNvGrpSpPr/>
-        <p:nvPr/>
-      </p:nvGrpSpPr>
-      <p:grpSpPr/>
-      <p:pic>
-        <p:nvPicPr>
-          <p:cNvPr id="2" name="Picture 1" descr="Layers.png"/>
-          <p:cNvPicPr>
-            <a:picLocks noChangeAspect="1"/>
-          </p:cNvPicPr>
-          <p:nvPr/>
-        </p:nvPicPr>
-        <p:blipFill>
-          <a:blip r:embed="rId2"/>
-          <a:stretch>
-            <a:fillRect/>
-          </a:stretch>
-        </p:blipFill>
-        <p:spPr>
-          <a:xfrm>
-            <a:off x="-1463040" y="-3657600"/>
-            <a:ext cx="11795760" cy="11795760"/>
-          </a:xfrm>
-          <a:prstGeom prst="rect">
-            <a:avLst/>
-          </a:prstGeom>
-        </p:spPr>
-      </p:pic>
-    </p:spTree>
-  </p:cSld>
-  <p:clrMapOvr>
-    <a:masterClrMapping/>
-  </p:clrMapOvr>
-</p:sld>
-</file>
-
-<file path=ppt/slides/slide11.xml><?xml version="1.0" encoding="utf-8"?>
-<p:sld xmlns:a="http://schemas.openxmlformats.org/drawingml/2006/main" xmlns:p="http://schemas.openxmlformats.org/presentationml/2006/main" xmlns:r="http://schemas.openxmlformats.org/officeDocument/2006/relationships">
-  <p:cSld>
-    <p:spTree>
-      <p:nvGrpSpPr>
-        <p:cNvPr id="1" name=""/>
-        <p:cNvGrpSpPr/>
-        <p:nvPr/>
-      </p:nvGrpSpPr>
-      <p:grpSpPr/>
-      <p:pic>
-        <p:nvPicPr>
-          <p:cNvPr id="2" name="Picture 1" descr="Layers.png"/>
-          <p:cNvPicPr>
-            <a:picLocks noChangeAspect="1"/>
-          </p:cNvPicPr>
-          <p:nvPr/>
-        </p:nvPicPr>
-        <p:blipFill>
-          <a:blip r:embed="rId2"/>
-          <a:stretch>
-            <a:fillRect/>
-          </a:stretch>
-        </p:blipFill>
-        <p:spPr>
-          <a:xfrm>
-            <a:off x="-1463040" y="-3657600"/>
-            <a:ext cx="11795760" cy="11795760"/>
-          </a:xfrm>
-          <a:prstGeom prst="rect">
-            <a:avLst/>
-          </a:prstGeom>
-        </p:spPr>
-      </p:pic>
-    </p:spTree>
-  </p:cSld>
-  <p:clrMapOvr>
-    <a:masterClrMapping/>
-  </p:clrMapOvr>
-</p:sld>
-</file>
-
-<file path=ppt/slides/slide12.xml><?xml version="1.0" encoding="utf-8"?>
-<p:sld xmlns:a="http://schemas.openxmlformats.org/drawingml/2006/main" xmlns:p="http://schemas.openxmlformats.org/presentationml/2006/main" xmlns:r="http://schemas.openxmlformats.org/officeDocument/2006/relationships">
-  <p:cSld>
-    <p:spTree>
-      <p:nvGrpSpPr>
-        <p:cNvPr id="1" name=""/>
-        <p:cNvGrpSpPr/>
-        <p:nvPr/>
-      </p:nvGrpSpPr>
-      <p:grpSpPr/>
-      <p:pic>
-        <p:nvPicPr>
-          <p:cNvPr id="2" name="Picture 1" descr="Layers.png"/>
-          <p:cNvPicPr>
-            <a:picLocks noChangeAspect="1"/>
-          </p:cNvPicPr>
-          <p:nvPr/>
-        </p:nvPicPr>
-        <p:blipFill>
-          <a:blip r:embed="rId2"/>
-          <a:stretch>
-            <a:fillRect/>
-          </a:stretch>
-        </p:blipFill>
-        <p:spPr>
-          <a:xfrm>
-            <a:off x="-1463040" y="-3657600"/>
-            <a:ext cx="11795760" cy="11795760"/>
-          </a:xfrm>
-          <a:prstGeom prst="rect">
-            <a:avLst/>
-          </a:prstGeom>
-        </p:spPr>
-      </p:pic>
-    </p:spTree>
-  </p:cSld>
-  <p:clrMapOvr>
-    <a:masterClrMapping/>
-  </p:clrMapOvr>
-</p:sld>
-</file>
-
-<file path=ppt/slides/slide13.xml><?xml version="1.0" encoding="utf-8"?>
-<p:sld xmlns:a="http://schemas.openxmlformats.org/drawingml/2006/main" xmlns:p="http://schemas.openxmlformats.org/presentationml/2006/main" xmlns:r="http://schemas.openxmlformats.org/officeDocument/2006/relationships">
-  <p:cSld>
-    <p:spTree>
-      <p:nvGrpSpPr>
-        <p:cNvPr id="1" name=""/>
-        <p:cNvGrpSpPr/>
-        <p:nvPr/>
-      </p:nvGrpSpPr>
-      <p:grpSpPr/>
-      <p:pic>
-        <p:nvPicPr>
-          <p:cNvPr id="2" name="Picture 1" descr="Layers.png"/>
-          <p:cNvPicPr>
-            <a:picLocks noChangeAspect="1"/>
-          </p:cNvPicPr>
-          <p:nvPr/>
-        </p:nvPicPr>
-        <p:blipFill>
-          <a:blip r:embed="rId2"/>
-          <a:stretch>
-            <a:fillRect/>
-          </a:stretch>
-        </p:blipFill>
-        <p:spPr>
-          <a:xfrm>
-            <a:off x="-1463040" y="-3657600"/>
-            <a:ext cx="11795760" cy="11795760"/>
-          </a:xfrm>
-          <a:prstGeom prst="rect">
-            <a:avLst/>
-          </a:prstGeom>
-        </p:spPr>
-      </p:pic>
-    </p:spTree>
-  </p:cSld>
-  <p:clrMapOvr>
-    <a:masterClrMapping/>
-  </p:clrMapOvr>
-</p:sld>
-</file>
-
-<file path=ppt/slides/slide14.xml><?xml version="1.0" encoding="utf-8"?>
-<p:sld xmlns:a="http://schemas.openxmlformats.org/drawingml/2006/main" xmlns:p="http://schemas.openxmlformats.org/presentationml/2006/main" xmlns:r="http://schemas.openxmlformats.org/officeDocument/2006/relationships">
-  <p:cSld>
-    <p:spTree>
-      <p:nvGrpSpPr>
-        <p:cNvPr id="1" name=""/>
-        <p:cNvGrpSpPr/>
-        <p:nvPr/>
-      </p:nvGrpSpPr>
-      <p:grpSpPr/>
-      <p:pic>
-        <p:nvPicPr>
-          <p:cNvPr id="2" name="Picture 1" descr="Layers.png"/>
-          <p:cNvPicPr>
-            <a:picLocks noChangeAspect="1"/>
-          </p:cNvPicPr>
-          <p:nvPr/>
-        </p:nvPicPr>
-        <p:blipFill>
-          <a:blip r:embed="rId2"/>
-          <a:stretch>
-            <a:fillRect/>
-          </a:stretch>
-        </p:blipFill>
-        <p:spPr>
-          <a:xfrm>
-            <a:off x="-1463040" y="-3657600"/>
-            <a:ext cx="11795760" cy="11795760"/>
-          </a:xfrm>
-          <a:prstGeom prst="rect">
-            <a:avLst/>
-          </a:prstGeom>
-        </p:spPr>
-      </p:pic>
-    </p:spTree>
-  </p:cSld>
-  <p:clrMapOvr>
-    <a:masterClrMapping/>
-  </p:clrMapOvr>
-</p:sld>
-</file>
-
-<file path=ppt/slides/slide15.xml><?xml version="1.0" encoding="utf-8"?>
-<p:sld xmlns:a="http://schemas.openxmlformats.org/drawingml/2006/main" xmlns:p="http://schemas.openxmlformats.org/presentationml/2006/main" xmlns:r="http://schemas.openxmlformats.org/officeDocument/2006/relationships">
-  <p:cSld>
-    <p:spTree>
-      <p:nvGrpSpPr>
-        <p:cNvPr id="1" name=""/>
-        <p:cNvGrpSpPr/>
-        <p:nvPr/>
-      </p:nvGrpSpPr>
-      <p:grpSpPr/>
-      <p:pic>
-        <p:nvPicPr>
-          <p:cNvPr id="2" name="Picture 1" descr="Layers.png"/>
-          <p:cNvPicPr>
-            <a:picLocks noChangeAspect="1"/>
-          </p:cNvPicPr>
-          <p:nvPr/>
-        </p:nvPicPr>
-        <p:blipFill>
-          <a:blip r:embed="rId2"/>
-          <a:stretch>
-            <a:fillRect/>
-          </a:stretch>
-        </p:blipFill>
-        <p:spPr>
-          <a:xfrm>
-            <a:off x="-1463040" y="-3657600"/>
-            <a:ext cx="11795760" cy="11795760"/>
-          </a:xfrm>
-          <a:prstGeom prst="rect">
-            <a:avLst/>
-          </a:prstGeom>
-        </p:spPr>
-      </p:pic>
-    </p:spTree>
-  </p:cSld>
-  <p:clrMapOvr>
-    <a:masterClrMapping/>
-  </p:clrMapOvr>
-</p:sld>
-</file>
-
-<file path=ppt/slides/slide16.xml><?xml version="1.0" encoding="utf-8"?>
-<p:sld xmlns:a="http://schemas.openxmlformats.org/drawingml/2006/main" xmlns:p="http://schemas.openxmlformats.org/presentationml/2006/main" xmlns:r="http://schemas.openxmlformats.org/officeDocument/2006/relationships">
-  <p:cSld>
-    <p:spTree>
-      <p:nvGrpSpPr>
-        <p:cNvPr id="1" name=""/>
-        <p:cNvGrpSpPr/>
-        <p:nvPr/>
-      </p:nvGrpSpPr>
-      <p:grpSpPr/>
-      <p:pic>
-        <p:nvPicPr>
-          <p:cNvPr id="2" name="Picture 1" descr="Layers.png"/>
-          <p:cNvPicPr>
-            <a:picLocks noChangeAspect="1"/>
-          </p:cNvPicPr>
-          <p:nvPr/>
-        </p:nvPicPr>
-        <p:blipFill>
-          <a:blip r:embed="rId2"/>
-          <a:stretch>
-            <a:fillRect/>
-          </a:stretch>
-        </p:blipFill>
-        <p:spPr>
-          <a:xfrm>
-            <a:off x="-1463040" y="-3657600"/>
-            <a:ext cx="11795760" cy="11795760"/>
-          </a:xfrm>
-          <a:prstGeom prst="rect">
-            <a:avLst/>
-          </a:prstGeom>
-        </p:spPr>
-      </p:pic>
-    </p:spTree>
-  </p:cSld>
-  <p:clrMapOvr>
-    <a:masterClrMapping/>
-  </p:clrMapOvr>
-</p:sld>
-</file>
-
-<file path=ppt/slides/slide17.xml><?xml version="1.0" encoding="utf-8"?>
-<p:sld xmlns:a="http://schemas.openxmlformats.org/drawingml/2006/main" xmlns:p="http://schemas.openxmlformats.org/presentationml/2006/main" xmlns:r="http://schemas.openxmlformats.org/officeDocument/2006/relationships">
-  <p:cSld>
-    <p:spTree>
-      <p:nvGrpSpPr>
-        <p:cNvPr id="1" name=""/>
-        <p:cNvGrpSpPr/>
-        <p:nvPr/>
-      </p:nvGrpSpPr>
-      <p:grpSpPr/>
-      <p:pic>
-        <p:nvPicPr>
-          <p:cNvPr id="2" name="Picture 1" descr="Layers.png"/>
-          <p:cNvPicPr>
-            <a:picLocks noChangeAspect="1"/>
-          </p:cNvPicPr>
-          <p:nvPr/>
-        </p:nvPicPr>
-        <p:blipFill>
-          <a:blip r:embed="rId2"/>
-          <a:stretch>
-            <a:fillRect/>
-          </a:stretch>
-        </p:blipFill>
-        <p:spPr>
-          <a:xfrm>
-            <a:off x="-1463040" y="-3657600"/>
-            <a:ext cx="11795760" cy="11795760"/>
-          </a:xfrm>
-          <a:prstGeom prst="rect">
-            <a:avLst/>
-          </a:prstGeom>
-        </p:spPr>
-      </p:pic>
-    </p:spTree>
-  </p:cSld>
-  <p:clrMapOvr>
-    <a:masterClrMapping/>
-  </p:clrMapOvr>
-</p:sld>
-</file>
-
-<file path=ppt/slides/slide18.xml><?xml version="1.0" encoding="utf-8"?>
-<p:sld xmlns:a="http://schemas.openxmlformats.org/drawingml/2006/main" xmlns:p="http://schemas.openxmlformats.org/presentationml/2006/main" xmlns:r="http://schemas.openxmlformats.org/officeDocument/2006/relationships">
-  <p:cSld>
-    <p:spTree>
-      <p:nvGrpSpPr>
-        <p:cNvPr id="1" name=""/>
-        <p:cNvGrpSpPr/>
-        <p:nvPr/>
-      </p:nvGrpSpPr>
-      <p:grpSpPr/>
-      <p:pic>
-        <p:nvPicPr>
-          <p:cNvPr id="2" name="Picture 1" descr="Layers.png"/>
-          <p:cNvPicPr>
-            <a:picLocks noChangeAspect="1"/>
-          </p:cNvPicPr>
-          <p:nvPr/>
-        </p:nvPicPr>
-        <p:blipFill>
-          <a:blip r:embed="rId2"/>
-          <a:stretch>
-            <a:fillRect/>
-          </a:stretch>
-        </p:blipFill>
-        <p:spPr>
-          <a:xfrm>
-            <a:off x="-1463040" y="-3657600"/>
-            <a:ext cx="11795760" cy="11795760"/>
-          </a:xfrm>
-          <a:prstGeom prst="rect">
-            <a:avLst/>
-          </a:prstGeom>
-        </p:spPr>
-      </p:pic>
-    </p:spTree>
-  </p:cSld>
-  <p:clrMapOvr>
-    <a:masterClrMapping/>
-  </p:clrMapOvr>
-</p:sld>
-</file>
-
-<file path=ppt/slides/slide19.xml><?xml version="1.0" encoding="utf-8"?>
-<p:sld xmlns:a="http://schemas.openxmlformats.org/drawingml/2006/main" xmlns:p="http://schemas.openxmlformats.org/presentationml/2006/main" xmlns:r="http://schemas.openxmlformats.org/officeDocument/2006/relationships">
-  <p:cSld>
-    <p:spTree>
-      <p:nvGrpSpPr>
-        <p:cNvPr id="1" name=""/>
-        <p:cNvGrpSpPr/>
-        <p:nvPr/>
-      </p:nvGrpSpPr>
-      <p:grpSpPr/>
-      <p:pic>
-        <p:nvPicPr>
-          <p:cNvPr id="2" name="Picture 1" descr="Layers.png"/>
-          <p:cNvPicPr>
-            <a:picLocks noChangeAspect="1"/>
-          </p:cNvPicPr>
-          <p:nvPr/>
-        </p:nvPicPr>
-        <p:blipFill>
-          <a:blip r:embed="rId2"/>
-          <a:stretch>
-            <a:fillRect/>
-          </a:stretch>
-        </p:blipFill>
-        <p:spPr>
-          <a:xfrm>
-            <a:off x="-1463040" y="-3657600"/>
-            <a:ext cx="11795760" cy="11795760"/>
-          </a:xfrm>
-          <a:prstGeom prst="rect">
-            <a:avLst/>
-          </a:prstGeom>
-        </p:spPr>
-      </p:pic>
-    </p:spTree>
-  </p:cSld>
-  <p:clrMapOvr>
-    <a:masterClrMapping/>
-  </p:clrMapOvr>
-</p:sld>
-</file>
-
 <file path=ppt/slides/slide2.xml><?xml version="1.0" encoding="utf-8"?>
-<p:sld xmlns:a="http://schemas.openxmlformats.org/drawingml/2006/main" xmlns:p="http://schemas.openxmlformats.org/presentationml/2006/main" xmlns:r="http://schemas.openxmlformats.org/officeDocument/2006/relationships">
-  <p:cSld>
-    <p:spTree>
-      <p:nvGrpSpPr>
-        <p:cNvPr id="1" name=""/>
-        <p:cNvGrpSpPr/>
-        <p:nvPr/>
-      </p:nvGrpSpPr>
-      <p:grpSpPr/>
-      <p:pic>
-        <p:nvPicPr>
-          <p:cNvPr id="2" name="Picture 1" descr="Layers.png"/>
-          <p:cNvPicPr>
-            <a:picLocks noChangeAspect="1"/>
-          </p:cNvPicPr>
-          <p:nvPr/>
-        </p:nvPicPr>
-        <p:blipFill>
-          <a:blip r:embed="rId2"/>
-          <a:stretch>
-            <a:fillRect/>
-          </a:stretch>
-        </p:blipFill>
-        <p:spPr>
-          <a:xfrm>
-            <a:off x="-1463040" y="-3657600"/>
-            <a:ext cx="11795760" cy="11795760"/>
-          </a:xfrm>
-          <a:prstGeom prst="rect">
-            <a:avLst/>
-          </a:prstGeom>
-        </p:spPr>
-      </p:pic>
-    </p:spTree>
-  </p:cSld>
-  <p:clrMapOvr>
-    <a:masterClrMapping/>
-  </p:clrMapOvr>
-</p:sld>
-</file>
-
-<file path=ppt/slides/slide20.xml><?xml version="1.0" encoding="utf-8"?>
-<p:sld xmlns:a="http://schemas.openxmlformats.org/drawingml/2006/main" xmlns:p="http://schemas.openxmlformats.org/presentationml/2006/main" xmlns:r="http://schemas.openxmlformats.org/officeDocument/2006/relationships">
-  <p:cSld>
-    <p:spTree>
-      <p:nvGrpSpPr>
-        <p:cNvPr id="1" name=""/>
-        <p:cNvGrpSpPr/>
-        <p:nvPr/>
-      </p:nvGrpSpPr>
-      <p:grpSpPr/>
-      <p:pic>
-        <p:nvPicPr>
-          <p:cNvPr id="2" name="Picture 1" descr="Layers.png"/>
-          <p:cNvPicPr>
-            <a:picLocks noChangeAspect="1"/>
-          </p:cNvPicPr>
-          <p:nvPr/>
-        </p:nvPicPr>
-        <p:blipFill>
-          <a:blip r:embed="rId2"/>
-          <a:stretch>
-            <a:fillRect/>
-          </a:stretch>
-        </p:blipFill>
-        <p:spPr>
-          <a:xfrm>
-            <a:off x="-1463040" y="-3657600"/>
-            <a:ext cx="11795760" cy="11795760"/>
-          </a:xfrm>
-          <a:prstGeom prst="rect">
-            <a:avLst/>
-          </a:prstGeom>
-        </p:spPr>
-      </p:pic>
-    </p:spTree>
-  </p:cSld>
-  <p:clrMapOvr>
-    <a:masterClrMapping/>
-  </p:clrMapOvr>
-</p:sld>
-</file>
-
-<file path=ppt/slides/slide21.xml><?xml version="1.0" encoding="utf-8"?>
-<p:sld xmlns:a="http://schemas.openxmlformats.org/drawingml/2006/main" xmlns:p="http://schemas.openxmlformats.org/presentationml/2006/main" xmlns:r="http://schemas.openxmlformats.org/officeDocument/2006/relationships">
-  <p:cSld>
-    <p:spTree>
-      <p:nvGrpSpPr>
-        <p:cNvPr id="1" name=""/>
-        <p:cNvGrpSpPr/>
-        <p:nvPr/>
-      </p:nvGrpSpPr>
-      <p:grpSpPr/>
-      <p:pic>
-        <p:nvPicPr>
-          <p:cNvPr id="2" name="Picture 1" descr="Layers.png"/>
-          <p:cNvPicPr>
-            <a:picLocks noChangeAspect="1"/>
-          </p:cNvPicPr>
-          <p:nvPr/>
-        </p:nvPicPr>
-        <p:blipFill>
-          <a:blip r:embed="rId2"/>
-          <a:stretch>
-            <a:fillRect/>
-          </a:stretch>
-        </p:blipFill>
-        <p:spPr>
-          <a:xfrm>
-            <a:off x="-1463040" y="-3657600"/>
-            <a:ext cx="11795760" cy="11795760"/>
-          </a:xfrm>
-          <a:prstGeom prst="rect">
-            <a:avLst/>
-          </a:prstGeom>
-        </p:spPr>
-      </p:pic>
-    </p:spTree>
-  </p:cSld>
-  <p:clrMapOvr>
-    <a:masterClrMapping/>
-  </p:clrMapOvr>
-</p:sld>
-</file>
-
-<file path=ppt/slides/slide22.xml><?xml version="1.0" encoding="utf-8"?>
-<p:sld xmlns:a="http://schemas.openxmlformats.org/drawingml/2006/main" xmlns:p="http://schemas.openxmlformats.org/presentationml/2006/main" xmlns:r="http://schemas.openxmlformats.org/officeDocument/2006/relationships">
-  <p:cSld>
-    <p:spTree>
-      <p:nvGrpSpPr>
-        <p:cNvPr id="1" name=""/>
-        <p:cNvGrpSpPr/>
-        <p:nvPr/>
-      </p:nvGrpSpPr>
-      <p:grpSpPr/>
-      <p:pic>
-        <p:nvPicPr>
-          <p:cNvPr id="2" name="Picture 1" descr="Layers.png"/>
-          <p:cNvPicPr>
-            <a:picLocks noChangeAspect="1"/>
-          </p:cNvPicPr>
-          <p:nvPr/>
-        </p:nvPicPr>
-        <p:blipFill>
-          <a:blip r:embed="rId2"/>
-          <a:stretch>
-            <a:fillRect/>
-          </a:stretch>
-        </p:blipFill>
-        <p:spPr>
-          <a:xfrm>
-            <a:off x="-1463040" y="-3657600"/>
-            <a:ext cx="11795760" cy="11795760"/>
-          </a:xfrm>
-          <a:prstGeom prst="rect">
-            <a:avLst/>
-          </a:prstGeom>
-        </p:spPr>
-      </p:pic>
-    </p:spTree>
-  </p:cSld>
-  <p:clrMapOvr>
-    <a:masterClrMapping/>
-  </p:clrMapOvr>
-</p:sld>
-</file>
-
-<file path=ppt/slides/slide23.xml><?xml version="1.0" encoding="utf-8"?>
-<p:sld xmlns:a="http://schemas.openxmlformats.org/drawingml/2006/main" xmlns:p="http://schemas.openxmlformats.org/presentationml/2006/main" xmlns:r="http://schemas.openxmlformats.org/officeDocument/2006/relationships">
-  <p:cSld>
-    <p:spTree>
-      <p:nvGrpSpPr>
-        <p:cNvPr id="1" name=""/>
-        <p:cNvGrpSpPr/>
-        <p:nvPr/>
-      </p:nvGrpSpPr>
-      <p:grpSpPr/>
-      <p:pic>
-        <p:nvPicPr>
-          <p:cNvPr id="2" name="Picture 1" descr="Layers.png"/>
-          <p:cNvPicPr>
-            <a:picLocks noChangeAspect="1"/>
-          </p:cNvPicPr>
-          <p:nvPr/>
-        </p:nvPicPr>
-        <p:blipFill>
-          <a:blip r:embed="rId2"/>
-          <a:stretch>
-            <a:fillRect/>
-          </a:stretch>
-        </p:blipFill>
-        <p:spPr>
-          <a:xfrm>
-            <a:off x="-1463040" y="-3657600"/>
-            <a:ext cx="11795760" cy="11795760"/>
-          </a:xfrm>
-          <a:prstGeom prst="rect">
-            <a:avLst/>
-          </a:prstGeom>
-        </p:spPr>
-      </p:pic>
-    </p:spTree>
-  </p:cSld>
-  <p:clrMapOvr>
-    <a:masterClrMapping/>
-  </p:clrMapOvr>
-</p:sld>
-</file>
-
-<file path=ppt/slides/slide24.xml><?xml version="1.0" encoding="utf-8"?>
-<p:sld xmlns:a="http://schemas.openxmlformats.org/drawingml/2006/main" xmlns:p="http://schemas.openxmlformats.org/presentationml/2006/main" xmlns:r="http://schemas.openxmlformats.org/officeDocument/2006/relationships">
-  <p:cSld>
-    <p:spTree>
-      <p:nvGrpSpPr>
-        <p:cNvPr id="1" name=""/>
-        <p:cNvGrpSpPr/>
-        <p:nvPr/>
-      </p:nvGrpSpPr>
-      <p:grpSpPr/>
-      <p:pic>
-        <p:nvPicPr>
-          <p:cNvPr id="2" name="Picture 1" descr="Layers.png"/>
-          <p:cNvPicPr>
-            <a:picLocks noChangeAspect="1"/>
-          </p:cNvPicPr>
-          <p:nvPr/>
-        </p:nvPicPr>
-        <p:blipFill>
-          <a:blip r:embed="rId2"/>
-          <a:stretch>
-            <a:fillRect/>
-          </a:stretch>
-        </p:blipFill>
-        <p:spPr>
-          <a:xfrm>
-            <a:off x="-1463040" y="-3657600"/>
-            <a:ext cx="11795760" cy="11795760"/>
-          </a:xfrm>
-          <a:prstGeom prst="rect">
-            <a:avLst/>
-          </a:prstGeom>
-        </p:spPr>
-      </p:pic>
-    </p:spTree>
-  </p:cSld>
-  <p:clrMapOvr>
-    <a:masterClrMapping/>
-  </p:clrMapOvr>
-</p:sld>
-</file>
-
-<file path=ppt/slides/slide25.xml><?xml version="1.0" encoding="utf-8"?>
-<p:sld xmlns:a="http://schemas.openxmlformats.org/drawingml/2006/main" xmlns:p="http://schemas.openxmlformats.org/presentationml/2006/main" xmlns:r="http://schemas.openxmlformats.org/officeDocument/2006/relationships">
-  <p:cSld>
-    <p:spTree>
-      <p:nvGrpSpPr>
-        <p:cNvPr id="1" name=""/>
-        <p:cNvGrpSpPr/>
-        <p:nvPr/>
-      </p:nvGrpSpPr>
-      <p:grpSpPr/>
-      <p:pic>
-        <p:nvPicPr>
-          <p:cNvPr id="2" name="Picture 1" descr="Layers.png"/>
-          <p:cNvPicPr>
-            <a:picLocks noChangeAspect="1"/>
-          </p:cNvPicPr>
-          <p:nvPr/>
-        </p:nvPicPr>
-        <p:blipFill>
-          <a:blip r:embed="rId2"/>
-          <a:stretch>
-            <a:fillRect/>
-          </a:stretch>
-        </p:blipFill>
-        <p:spPr>
-          <a:xfrm>
-            <a:off x="-1463040" y="-3657600"/>
-            <a:ext cx="11795760" cy="11795760"/>
-          </a:xfrm>
-          <a:prstGeom prst="rect">
-            <a:avLst/>
-          </a:prstGeom>
-        </p:spPr>
-      </p:pic>
-    </p:spTree>
-  </p:cSld>
-  <p:clrMapOvr>
-    <a:masterClrMapping/>
-  </p:clrMapOvr>
-</p:sld>
-</file>
-
-<file path=ppt/slides/slide26.xml><?xml version="1.0" encoding="utf-8"?>
-<p:sld xmlns:a="http://schemas.openxmlformats.org/drawingml/2006/main" xmlns:p="http://schemas.openxmlformats.org/presentationml/2006/main" xmlns:r="http://schemas.openxmlformats.org/officeDocument/2006/relationships">
-  <p:cSld>
-    <p:spTree>
-      <p:nvGrpSpPr>
-        <p:cNvPr id="1" name=""/>
-        <p:cNvGrpSpPr/>
-        <p:nvPr/>
-      </p:nvGrpSpPr>
-      <p:grpSpPr/>
-      <p:pic>
-        <p:nvPicPr>
-          <p:cNvPr id="2" name="Picture 1" descr="Layers.png"/>
-          <p:cNvPicPr>
-            <a:picLocks noChangeAspect="1"/>
-          </p:cNvPicPr>
-          <p:nvPr/>
-        </p:nvPicPr>
-        <p:blipFill>
-          <a:blip r:embed="rId2"/>
-          <a:stretch>
-            <a:fillRect/>
-          </a:stretch>
-        </p:blipFill>
-        <p:spPr>
-          <a:xfrm>
-            <a:off x="-1463040" y="-3657600"/>
-            <a:ext cx="11795760" cy="11795760"/>
-          </a:xfrm>
-          <a:prstGeom prst="rect">
-            <a:avLst/>
-          </a:prstGeom>
-        </p:spPr>
-      </p:pic>
-    </p:spTree>
-  </p:cSld>
-  <p:clrMapOvr>
-    <a:masterClrMapping/>
-  </p:clrMapOvr>
-</p:sld>
-</file>
-
-<file path=ppt/slides/slide27.xml><?xml version="1.0" encoding="utf-8"?>
-<p:sld xmlns:a="http://schemas.openxmlformats.org/drawingml/2006/main" xmlns:p="http://schemas.openxmlformats.org/presentationml/2006/main" xmlns:r="http://schemas.openxmlformats.org/officeDocument/2006/relationships">
-  <p:cSld>
-    <p:spTree>
-      <p:nvGrpSpPr>
-        <p:cNvPr id="1" name=""/>
-        <p:cNvGrpSpPr/>
-        <p:nvPr/>
-      </p:nvGrpSpPr>
-      <p:grpSpPr/>
-      <p:pic>
-        <p:nvPicPr>
-          <p:cNvPr id="2" name="Picture 1" descr="Layers.png"/>
-          <p:cNvPicPr>
-            <a:picLocks noChangeAspect="1"/>
-          </p:cNvPicPr>
-          <p:nvPr/>
-        </p:nvPicPr>
-        <p:blipFill>
-          <a:blip r:embed="rId2"/>
-          <a:stretch>
-            <a:fillRect/>
-          </a:stretch>
-        </p:blipFill>
-        <p:spPr>
-          <a:xfrm>
-            <a:off x="-1463040" y="-3657600"/>
-            <a:ext cx="11795760" cy="11795760"/>
-          </a:xfrm>
-          <a:prstGeom prst="rect">
-            <a:avLst/>
-          </a:prstGeom>
-        </p:spPr>
-      </p:pic>
-    </p:spTree>
-  </p:cSld>
-  <p:clrMapOvr>
-    <a:masterClrMapping/>
-  </p:clrMapOvr>
-</p:sld>
-</file>
-
-<file path=ppt/slides/slide28.xml><?xml version="1.0" encoding="utf-8"?>
-<p:sld xmlns:a="http://schemas.openxmlformats.org/drawingml/2006/main" xmlns:p="http://schemas.openxmlformats.org/presentationml/2006/main" xmlns:r="http://schemas.openxmlformats.org/officeDocument/2006/relationships">
-  <p:cSld>
-    <p:spTree>
-      <p:nvGrpSpPr>
-        <p:cNvPr id="1" name=""/>
-        <p:cNvGrpSpPr/>
-        <p:nvPr/>
-      </p:nvGrpSpPr>
-      <p:grpSpPr/>
-      <p:pic>
-        <p:nvPicPr>
-          <p:cNvPr id="2" name="Picture 1" descr="Layers.png"/>
-          <p:cNvPicPr>
-            <a:picLocks noChangeAspect="1"/>
-          </p:cNvPicPr>
-          <p:nvPr/>
-        </p:nvPicPr>
-        <p:blipFill>
-          <a:blip r:embed="rId2"/>
-          <a:stretch>
-            <a:fillRect/>
-          </a:stretch>
-        </p:blipFill>
-        <p:spPr>
-          <a:xfrm>
-            <a:off x="-1463040" y="-3657600"/>
-            <a:ext cx="11795760" cy="11795760"/>
-          </a:xfrm>
-          <a:prstGeom prst="rect">
-            <a:avLst/>
-          </a:prstGeom>
-        </p:spPr>
-      </p:pic>
-    </p:spTree>
-  </p:cSld>
-  <p:clrMapOvr>
-    <a:masterClrMapping/>
-  </p:clrMapOvr>
-</p:sld>
-</file>
-
-<file path=ppt/slides/slide29.xml><?xml version="1.0" encoding="utf-8"?>
 <p:sld xmlns:a="http://schemas.openxmlformats.org/drawingml/2006/main" xmlns:p="http://schemas.openxmlformats.org/presentationml/2006/main" xmlns:r="http://schemas.openxmlformats.org/officeDocument/2006/relationships">
   <p:cSld>
     <p:spTree>
@@ -4107,1687 +3207,7 @@
 </p:sld>
 </file>
 
-<file path=ppt/slides/slide30.xml><?xml version="1.0" encoding="utf-8"?>
-<p:sld xmlns:a="http://schemas.openxmlformats.org/drawingml/2006/main" xmlns:p="http://schemas.openxmlformats.org/presentationml/2006/main" xmlns:r="http://schemas.openxmlformats.org/officeDocument/2006/relationships">
-  <p:cSld>
-    <p:spTree>
-      <p:nvGrpSpPr>
-        <p:cNvPr id="1" name=""/>
-        <p:cNvGrpSpPr/>
-        <p:nvPr/>
-      </p:nvGrpSpPr>
-      <p:grpSpPr/>
-      <p:pic>
-        <p:nvPicPr>
-          <p:cNvPr id="2" name="Picture 1" descr="Layers.png"/>
-          <p:cNvPicPr>
-            <a:picLocks noChangeAspect="1"/>
-          </p:cNvPicPr>
-          <p:nvPr/>
-        </p:nvPicPr>
-        <p:blipFill>
-          <a:blip r:embed="rId2"/>
-          <a:stretch>
-            <a:fillRect/>
-          </a:stretch>
-        </p:blipFill>
-        <p:spPr>
-          <a:xfrm>
-            <a:off x="-1463040" y="-3657600"/>
-            <a:ext cx="11795760" cy="11795760"/>
-          </a:xfrm>
-          <a:prstGeom prst="rect">
-            <a:avLst/>
-          </a:prstGeom>
-        </p:spPr>
-      </p:pic>
-    </p:spTree>
-  </p:cSld>
-  <p:clrMapOvr>
-    <a:masterClrMapping/>
-  </p:clrMapOvr>
-</p:sld>
-</file>
-
-<file path=ppt/slides/slide31.xml><?xml version="1.0" encoding="utf-8"?>
-<p:sld xmlns:a="http://schemas.openxmlformats.org/drawingml/2006/main" xmlns:p="http://schemas.openxmlformats.org/presentationml/2006/main" xmlns:r="http://schemas.openxmlformats.org/officeDocument/2006/relationships">
-  <p:cSld>
-    <p:spTree>
-      <p:nvGrpSpPr>
-        <p:cNvPr id="1" name=""/>
-        <p:cNvGrpSpPr/>
-        <p:nvPr/>
-      </p:nvGrpSpPr>
-      <p:grpSpPr/>
-      <p:pic>
-        <p:nvPicPr>
-          <p:cNvPr id="2" name="Picture 1" descr="Layers.png"/>
-          <p:cNvPicPr>
-            <a:picLocks noChangeAspect="1"/>
-          </p:cNvPicPr>
-          <p:nvPr/>
-        </p:nvPicPr>
-        <p:blipFill>
-          <a:blip r:embed="rId2"/>
-          <a:stretch>
-            <a:fillRect/>
-          </a:stretch>
-        </p:blipFill>
-        <p:spPr>
-          <a:xfrm>
-            <a:off x="-1463040" y="-3657600"/>
-            <a:ext cx="11795760" cy="11795760"/>
-          </a:xfrm>
-          <a:prstGeom prst="rect">
-            <a:avLst/>
-          </a:prstGeom>
-        </p:spPr>
-      </p:pic>
-    </p:spTree>
-  </p:cSld>
-  <p:clrMapOvr>
-    <a:masterClrMapping/>
-  </p:clrMapOvr>
-</p:sld>
-</file>
-
-<file path=ppt/slides/slide32.xml><?xml version="1.0" encoding="utf-8"?>
-<p:sld xmlns:a="http://schemas.openxmlformats.org/drawingml/2006/main" xmlns:p="http://schemas.openxmlformats.org/presentationml/2006/main" xmlns:r="http://schemas.openxmlformats.org/officeDocument/2006/relationships">
-  <p:cSld>
-    <p:spTree>
-      <p:nvGrpSpPr>
-        <p:cNvPr id="1" name=""/>
-        <p:cNvGrpSpPr/>
-        <p:nvPr/>
-      </p:nvGrpSpPr>
-      <p:grpSpPr/>
-      <p:pic>
-        <p:nvPicPr>
-          <p:cNvPr id="2" name="Picture 1" descr="Layers.png"/>
-          <p:cNvPicPr>
-            <a:picLocks noChangeAspect="1"/>
-          </p:cNvPicPr>
-          <p:nvPr/>
-        </p:nvPicPr>
-        <p:blipFill>
-          <a:blip r:embed="rId2"/>
-          <a:stretch>
-            <a:fillRect/>
-          </a:stretch>
-        </p:blipFill>
-        <p:spPr>
-          <a:xfrm>
-            <a:off x="-1463040" y="-3657600"/>
-            <a:ext cx="11795760" cy="11795760"/>
-          </a:xfrm>
-          <a:prstGeom prst="rect">
-            <a:avLst/>
-          </a:prstGeom>
-        </p:spPr>
-      </p:pic>
-    </p:spTree>
-  </p:cSld>
-  <p:clrMapOvr>
-    <a:masterClrMapping/>
-  </p:clrMapOvr>
-</p:sld>
-</file>
-
-<file path=ppt/slides/slide33.xml><?xml version="1.0" encoding="utf-8"?>
-<p:sld xmlns:a="http://schemas.openxmlformats.org/drawingml/2006/main" xmlns:p="http://schemas.openxmlformats.org/presentationml/2006/main" xmlns:r="http://schemas.openxmlformats.org/officeDocument/2006/relationships">
-  <p:cSld>
-    <p:spTree>
-      <p:nvGrpSpPr>
-        <p:cNvPr id="1" name=""/>
-        <p:cNvGrpSpPr/>
-        <p:nvPr/>
-      </p:nvGrpSpPr>
-      <p:grpSpPr/>
-      <p:pic>
-        <p:nvPicPr>
-          <p:cNvPr id="2" name="Picture 1" descr="Layers.png"/>
-          <p:cNvPicPr>
-            <a:picLocks noChangeAspect="1"/>
-          </p:cNvPicPr>
-          <p:nvPr/>
-        </p:nvPicPr>
-        <p:blipFill>
-          <a:blip r:embed="rId2"/>
-          <a:stretch>
-            <a:fillRect/>
-          </a:stretch>
-        </p:blipFill>
-        <p:spPr>
-          <a:xfrm>
-            <a:off x="-1463040" y="-3657600"/>
-            <a:ext cx="11795760" cy="11795760"/>
-          </a:xfrm>
-          <a:prstGeom prst="rect">
-            <a:avLst/>
-          </a:prstGeom>
-        </p:spPr>
-      </p:pic>
-    </p:spTree>
-  </p:cSld>
-  <p:clrMapOvr>
-    <a:masterClrMapping/>
-  </p:clrMapOvr>
-</p:sld>
-</file>
-
-<file path=ppt/slides/slide34.xml><?xml version="1.0" encoding="utf-8"?>
-<p:sld xmlns:a="http://schemas.openxmlformats.org/drawingml/2006/main" xmlns:p="http://schemas.openxmlformats.org/presentationml/2006/main" xmlns:r="http://schemas.openxmlformats.org/officeDocument/2006/relationships">
-  <p:cSld>
-    <p:spTree>
-      <p:nvGrpSpPr>
-        <p:cNvPr id="1" name=""/>
-        <p:cNvGrpSpPr/>
-        <p:nvPr/>
-      </p:nvGrpSpPr>
-      <p:grpSpPr/>
-      <p:pic>
-        <p:nvPicPr>
-          <p:cNvPr id="2" name="Picture 1" descr="Layers.png"/>
-          <p:cNvPicPr>
-            <a:picLocks noChangeAspect="1"/>
-          </p:cNvPicPr>
-          <p:nvPr/>
-        </p:nvPicPr>
-        <p:blipFill>
-          <a:blip r:embed="rId2"/>
-          <a:stretch>
-            <a:fillRect/>
-          </a:stretch>
-        </p:blipFill>
-        <p:spPr>
-          <a:xfrm>
-            <a:off x="-1463040" y="-3657600"/>
-            <a:ext cx="11795760" cy="11795760"/>
-          </a:xfrm>
-          <a:prstGeom prst="rect">
-            <a:avLst/>
-          </a:prstGeom>
-        </p:spPr>
-      </p:pic>
-    </p:spTree>
-  </p:cSld>
-  <p:clrMapOvr>
-    <a:masterClrMapping/>
-  </p:clrMapOvr>
-</p:sld>
-</file>
-
-<file path=ppt/slides/slide35.xml><?xml version="1.0" encoding="utf-8"?>
-<p:sld xmlns:a="http://schemas.openxmlformats.org/drawingml/2006/main" xmlns:p="http://schemas.openxmlformats.org/presentationml/2006/main" xmlns:r="http://schemas.openxmlformats.org/officeDocument/2006/relationships">
-  <p:cSld>
-    <p:spTree>
-      <p:nvGrpSpPr>
-        <p:cNvPr id="1" name=""/>
-        <p:cNvGrpSpPr/>
-        <p:nvPr/>
-      </p:nvGrpSpPr>
-      <p:grpSpPr/>
-      <p:pic>
-        <p:nvPicPr>
-          <p:cNvPr id="2" name="Picture 1" descr="Layers.png"/>
-          <p:cNvPicPr>
-            <a:picLocks noChangeAspect="1"/>
-          </p:cNvPicPr>
-          <p:nvPr/>
-        </p:nvPicPr>
-        <p:blipFill>
-          <a:blip r:embed="rId2"/>
-          <a:stretch>
-            <a:fillRect/>
-          </a:stretch>
-        </p:blipFill>
-        <p:spPr>
-          <a:xfrm>
-            <a:off x="-1463040" y="-3657600"/>
-            <a:ext cx="11795760" cy="11795760"/>
-          </a:xfrm>
-          <a:prstGeom prst="rect">
-            <a:avLst/>
-          </a:prstGeom>
-        </p:spPr>
-      </p:pic>
-    </p:spTree>
-  </p:cSld>
-  <p:clrMapOvr>
-    <a:masterClrMapping/>
-  </p:clrMapOvr>
-</p:sld>
-</file>
-
-<file path=ppt/slides/slide36.xml><?xml version="1.0" encoding="utf-8"?>
-<p:sld xmlns:a="http://schemas.openxmlformats.org/drawingml/2006/main" xmlns:p="http://schemas.openxmlformats.org/presentationml/2006/main" xmlns:r="http://schemas.openxmlformats.org/officeDocument/2006/relationships">
-  <p:cSld>
-    <p:spTree>
-      <p:nvGrpSpPr>
-        <p:cNvPr id="1" name=""/>
-        <p:cNvGrpSpPr/>
-        <p:nvPr/>
-      </p:nvGrpSpPr>
-      <p:grpSpPr/>
-      <p:pic>
-        <p:nvPicPr>
-          <p:cNvPr id="2" name="Picture 1" descr="Layers.png"/>
-          <p:cNvPicPr>
-            <a:picLocks noChangeAspect="1"/>
-          </p:cNvPicPr>
-          <p:nvPr/>
-        </p:nvPicPr>
-        <p:blipFill>
-          <a:blip r:embed="rId2"/>
-          <a:stretch>
-            <a:fillRect/>
-          </a:stretch>
-        </p:blipFill>
-        <p:spPr>
-          <a:xfrm>
-            <a:off x="-1463040" y="-3657600"/>
-            <a:ext cx="11795760" cy="11795760"/>
-          </a:xfrm>
-          <a:prstGeom prst="rect">
-            <a:avLst/>
-          </a:prstGeom>
-        </p:spPr>
-      </p:pic>
-    </p:spTree>
-  </p:cSld>
-  <p:clrMapOvr>
-    <a:masterClrMapping/>
-  </p:clrMapOvr>
-</p:sld>
-</file>
-
-<file path=ppt/slides/slide37.xml><?xml version="1.0" encoding="utf-8"?>
-<p:sld xmlns:a="http://schemas.openxmlformats.org/drawingml/2006/main" xmlns:p="http://schemas.openxmlformats.org/presentationml/2006/main" xmlns:r="http://schemas.openxmlformats.org/officeDocument/2006/relationships">
-  <p:cSld>
-    <p:spTree>
-      <p:nvGrpSpPr>
-        <p:cNvPr id="1" name=""/>
-        <p:cNvGrpSpPr/>
-        <p:nvPr/>
-      </p:nvGrpSpPr>
-      <p:grpSpPr/>
-      <p:pic>
-        <p:nvPicPr>
-          <p:cNvPr id="2" name="Picture 1" descr="Layers.png"/>
-          <p:cNvPicPr>
-            <a:picLocks noChangeAspect="1"/>
-          </p:cNvPicPr>
-          <p:nvPr/>
-        </p:nvPicPr>
-        <p:blipFill>
-          <a:blip r:embed="rId2"/>
-          <a:stretch>
-            <a:fillRect/>
-          </a:stretch>
-        </p:blipFill>
-        <p:spPr>
-          <a:xfrm>
-            <a:off x="-1463040" y="-3657600"/>
-            <a:ext cx="11795760" cy="11795760"/>
-          </a:xfrm>
-          <a:prstGeom prst="rect">
-            <a:avLst/>
-          </a:prstGeom>
-        </p:spPr>
-      </p:pic>
-    </p:spTree>
-  </p:cSld>
-  <p:clrMapOvr>
-    <a:masterClrMapping/>
-  </p:clrMapOvr>
-</p:sld>
-</file>
-
-<file path=ppt/slides/slide38.xml><?xml version="1.0" encoding="utf-8"?>
-<p:sld xmlns:a="http://schemas.openxmlformats.org/drawingml/2006/main" xmlns:p="http://schemas.openxmlformats.org/presentationml/2006/main" xmlns:r="http://schemas.openxmlformats.org/officeDocument/2006/relationships">
-  <p:cSld>
-    <p:spTree>
-      <p:nvGrpSpPr>
-        <p:cNvPr id="1" name=""/>
-        <p:cNvGrpSpPr/>
-        <p:nvPr/>
-      </p:nvGrpSpPr>
-      <p:grpSpPr/>
-      <p:pic>
-        <p:nvPicPr>
-          <p:cNvPr id="2" name="Picture 1" descr="Layers.png"/>
-          <p:cNvPicPr>
-            <a:picLocks noChangeAspect="1"/>
-          </p:cNvPicPr>
-          <p:nvPr/>
-        </p:nvPicPr>
-        <p:blipFill>
-          <a:blip r:embed="rId2"/>
-          <a:stretch>
-            <a:fillRect/>
-          </a:stretch>
-        </p:blipFill>
-        <p:spPr>
-          <a:xfrm>
-            <a:off x="-1463040" y="-3657600"/>
-            <a:ext cx="11795760" cy="11795760"/>
-          </a:xfrm>
-          <a:prstGeom prst="rect">
-            <a:avLst/>
-          </a:prstGeom>
-        </p:spPr>
-      </p:pic>
-    </p:spTree>
-  </p:cSld>
-  <p:clrMapOvr>
-    <a:masterClrMapping/>
-  </p:clrMapOvr>
-</p:sld>
-</file>
-
-<file path=ppt/slides/slide39.xml><?xml version="1.0" encoding="utf-8"?>
-<p:sld xmlns:a="http://schemas.openxmlformats.org/drawingml/2006/main" xmlns:p="http://schemas.openxmlformats.org/presentationml/2006/main" xmlns:r="http://schemas.openxmlformats.org/officeDocument/2006/relationships">
-  <p:cSld>
-    <p:spTree>
-      <p:nvGrpSpPr>
-        <p:cNvPr id="1" name=""/>
-        <p:cNvGrpSpPr/>
-        <p:nvPr/>
-      </p:nvGrpSpPr>
-      <p:grpSpPr/>
-      <p:pic>
-        <p:nvPicPr>
-          <p:cNvPr id="2" name="Picture 1" descr="Layers.png"/>
-          <p:cNvPicPr>
-            <a:picLocks noChangeAspect="1"/>
-          </p:cNvPicPr>
-          <p:nvPr/>
-        </p:nvPicPr>
-        <p:blipFill>
-          <a:blip r:embed="rId2"/>
-          <a:stretch>
-            <a:fillRect/>
-          </a:stretch>
-        </p:blipFill>
-        <p:spPr>
-          <a:xfrm>
-            <a:off x="-1463040" y="-3657600"/>
-            <a:ext cx="11795760" cy="11795760"/>
-          </a:xfrm>
-          <a:prstGeom prst="rect">
-            <a:avLst/>
-          </a:prstGeom>
-        </p:spPr>
-      </p:pic>
-    </p:spTree>
-  </p:cSld>
-  <p:clrMapOvr>
-    <a:masterClrMapping/>
-  </p:clrMapOvr>
-</p:sld>
-</file>
-
 <file path=ppt/slides/slide4.xml><?xml version="1.0" encoding="utf-8"?>
-<p:sld xmlns:a="http://schemas.openxmlformats.org/drawingml/2006/main" xmlns:p="http://schemas.openxmlformats.org/presentationml/2006/main" xmlns:r="http://schemas.openxmlformats.org/officeDocument/2006/relationships">
-  <p:cSld>
-    <p:spTree>
-      <p:nvGrpSpPr>
-        <p:cNvPr id="1" name=""/>
-        <p:cNvGrpSpPr/>
-        <p:nvPr/>
-      </p:nvGrpSpPr>
-      <p:grpSpPr/>
-      <p:pic>
-        <p:nvPicPr>
-          <p:cNvPr id="2" name="Picture 1" descr="Layers.png"/>
-          <p:cNvPicPr>
-            <a:picLocks noChangeAspect="1"/>
-          </p:cNvPicPr>
-          <p:nvPr/>
-        </p:nvPicPr>
-        <p:blipFill>
-          <a:blip r:embed="rId2"/>
-          <a:stretch>
-            <a:fillRect/>
-          </a:stretch>
-        </p:blipFill>
-        <p:spPr>
-          <a:xfrm>
-            <a:off x="-1463040" y="-3657600"/>
-            <a:ext cx="11795760" cy="11795760"/>
-          </a:xfrm>
-          <a:prstGeom prst="rect">
-            <a:avLst/>
-          </a:prstGeom>
-        </p:spPr>
-      </p:pic>
-    </p:spTree>
-  </p:cSld>
-  <p:clrMapOvr>
-    <a:masterClrMapping/>
-  </p:clrMapOvr>
-</p:sld>
-</file>
-
-<file path=ppt/slides/slide40.xml><?xml version="1.0" encoding="utf-8"?>
-<p:sld xmlns:a="http://schemas.openxmlformats.org/drawingml/2006/main" xmlns:p="http://schemas.openxmlformats.org/presentationml/2006/main" xmlns:r="http://schemas.openxmlformats.org/officeDocument/2006/relationships">
-  <p:cSld>
-    <p:spTree>
-      <p:nvGrpSpPr>
-        <p:cNvPr id="1" name=""/>
-        <p:cNvGrpSpPr/>
-        <p:nvPr/>
-      </p:nvGrpSpPr>
-      <p:grpSpPr/>
-      <p:pic>
-        <p:nvPicPr>
-          <p:cNvPr id="2" name="Picture 1" descr="Layers.png"/>
-          <p:cNvPicPr>
-            <a:picLocks noChangeAspect="1"/>
-          </p:cNvPicPr>
-          <p:nvPr/>
-        </p:nvPicPr>
-        <p:blipFill>
-          <a:blip r:embed="rId2"/>
-          <a:stretch>
-            <a:fillRect/>
-          </a:stretch>
-        </p:blipFill>
-        <p:spPr>
-          <a:xfrm>
-            <a:off x="-1463040" y="-3657600"/>
-            <a:ext cx="11795760" cy="11795760"/>
-          </a:xfrm>
-          <a:prstGeom prst="rect">
-            <a:avLst/>
-          </a:prstGeom>
-        </p:spPr>
-      </p:pic>
-    </p:spTree>
-  </p:cSld>
-  <p:clrMapOvr>
-    <a:masterClrMapping/>
-  </p:clrMapOvr>
-</p:sld>
-</file>
-
-<file path=ppt/slides/slide41.xml><?xml version="1.0" encoding="utf-8"?>
-<p:sld xmlns:a="http://schemas.openxmlformats.org/drawingml/2006/main" xmlns:p="http://schemas.openxmlformats.org/presentationml/2006/main" xmlns:r="http://schemas.openxmlformats.org/officeDocument/2006/relationships">
-  <p:cSld>
-    <p:spTree>
-      <p:nvGrpSpPr>
-        <p:cNvPr id="1" name=""/>
-        <p:cNvGrpSpPr/>
-        <p:nvPr/>
-      </p:nvGrpSpPr>
-      <p:grpSpPr/>
-      <p:pic>
-        <p:nvPicPr>
-          <p:cNvPr id="2" name="Picture 1" descr="Layers.png"/>
-          <p:cNvPicPr>
-            <a:picLocks noChangeAspect="1"/>
-          </p:cNvPicPr>
-          <p:nvPr/>
-        </p:nvPicPr>
-        <p:blipFill>
-          <a:blip r:embed="rId2"/>
-          <a:stretch>
-            <a:fillRect/>
-          </a:stretch>
-        </p:blipFill>
-        <p:spPr>
-          <a:xfrm>
-            <a:off x="-1463040" y="-3657600"/>
-            <a:ext cx="11795760" cy="11795760"/>
-          </a:xfrm>
-          <a:prstGeom prst="rect">
-            <a:avLst/>
-          </a:prstGeom>
-        </p:spPr>
-      </p:pic>
-    </p:spTree>
-  </p:cSld>
-  <p:clrMapOvr>
-    <a:masterClrMapping/>
-  </p:clrMapOvr>
-</p:sld>
-</file>
-
-<file path=ppt/slides/slide42.xml><?xml version="1.0" encoding="utf-8"?>
-<p:sld xmlns:a="http://schemas.openxmlformats.org/drawingml/2006/main" xmlns:p="http://schemas.openxmlformats.org/presentationml/2006/main" xmlns:r="http://schemas.openxmlformats.org/officeDocument/2006/relationships">
-  <p:cSld>
-    <p:spTree>
-      <p:nvGrpSpPr>
-        <p:cNvPr id="1" name=""/>
-        <p:cNvGrpSpPr/>
-        <p:nvPr/>
-      </p:nvGrpSpPr>
-      <p:grpSpPr/>
-      <p:pic>
-        <p:nvPicPr>
-          <p:cNvPr id="2" name="Picture 1" descr="Layers.png"/>
-          <p:cNvPicPr>
-            <a:picLocks noChangeAspect="1"/>
-          </p:cNvPicPr>
-          <p:nvPr/>
-        </p:nvPicPr>
-        <p:blipFill>
-          <a:blip r:embed="rId2"/>
-          <a:stretch>
-            <a:fillRect/>
-          </a:stretch>
-        </p:blipFill>
-        <p:spPr>
-          <a:xfrm>
-            <a:off x="-1463040" y="-3657600"/>
-            <a:ext cx="11795760" cy="11795760"/>
-          </a:xfrm>
-          <a:prstGeom prst="rect">
-            <a:avLst/>
-          </a:prstGeom>
-        </p:spPr>
-      </p:pic>
-    </p:spTree>
-  </p:cSld>
-  <p:clrMapOvr>
-    <a:masterClrMapping/>
-  </p:clrMapOvr>
-</p:sld>
-</file>
-
-<file path=ppt/slides/slide43.xml><?xml version="1.0" encoding="utf-8"?>
-<p:sld xmlns:a="http://schemas.openxmlformats.org/drawingml/2006/main" xmlns:p="http://schemas.openxmlformats.org/presentationml/2006/main" xmlns:r="http://schemas.openxmlformats.org/officeDocument/2006/relationships">
-  <p:cSld>
-    <p:spTree>
-      <p:nvGrpSpPr>
-        <p:cNvPr id="1" name=""/>
-        <p:cNvGrpSpPr/>
-        <p:nvPr/>
-      </p:nvGrpSpPr>
-      <p:grpSpPr/>
-      <p:pic>
-        <p:nvPicPr>
-          <p:cNvPr id="2" name="Picture 1" descr="Layers.png"/>
-          <p:cNvPicPr>
-            <a:picLocks noChangeAspect="1"/>
-          </p:cNvPicPr>
-          <p:nvPr/>
-        </p:nvPicPr>
-        <p:blipFill>
-          <a:blip r:embed="rId2"/>
-          <a:stretch>
-            <a:fillRect/>
-          </a:stretch>
-        </p:blipFill>
-        <p:spPr>
-          <a:xfrm>
-            <a:off x="-1463040" y="-3657600"/>
-            <a:ext cx="11795760" cy="11795760"/>
-          </a:xfrm>
-          <a:prstGeom prst="rect">
-            <a:avLst/>
-          </a:prstGeom>
-        </p:spPr>
-      </p:pic>
-    </p:spTree>
-  </p:cSld>
-  <p:clrMapOvr>
-    <a:masterClrMapping/>
-  </p:clrMapOvr>
-</p:sld>
-</file>
-
-<file path=ppt/slides/slide44.xml><?xml version="1.0" encoding="utf-8"?>
-<p:sld xmlns:a="http://schemas.openxmlformats.org/drawingml/2006/main" xmlns:p="http://schemas.openxmlformats.org/presentationml/2006/main" xmlns:r="http://schemas.openxmlformats.org/officeDocument/2006/relationships">
-  <p:cSld>
-    <p:spTree>
-      <p:nvGrpSpPr>
-        <p:cNvPr id="1" name=""/>
-        <p:cNvGrpSpPr/>
-        <p:nvPr/>
-      </p:nvGrpSpPr>
-      <p:grpSpPr/>
-      <p:pic>
-        <p:nvPicPr>
-          <p:cNvPr id="2" name="Picture 1" descr="Layers.png"/>
-          <p:cNvPicPr>
-            <a:picLocks noChangeAspect="1"/>
-          </p:cNvPicPr>
-          <p:nvPr/>
-        </p:nvPicPr>
-        <p:blipFill>
-          <a:blip r:embed="rId2"/>
-          <a:stretch>
-            <a:fillRect/>
-          </a:stretch>
-        </p:blipFill>
-        <p:spPr>
-          <a:xfrm>
-            <a:off x="-1463040" y="-3657600"/>
-            <a:ext cx="11795760" cy="11795760"/>
-          </a:xfrm>
-          <a:prstGeom prst="rect">
-            <a:avLst/>
-          </a:prstGeom>
-        </p:spPr>
-      </p:pic>
-    </p:spTree>
-  </p:cSld>
-  <p:clrMapOvr>
-    <a:masterClrMapping/>
-  </p:clrMapOvr>
-</p:sld>
-</file>
-
-<file path=ppt/slides/slide45.xml><?xml version="1.0" encoding="utf-8"?>
-<p:sld xmlns:a="http://schemas.openxmlformats.org/drawingml/2006/main" xmlns:p="http://schemas.openxmlformats.org/presentationml/2006/main" xmlns:r="http://schemas.openxmlformats.org/officeDocument/2006/relationships">
-  <p:cSld>
-    <p:spTree>
-      <p:nvGrpSpPr>
-        <p:cNvPr id="1" name=""/>
-        <p:cNvGrpSpPr/>
-        <p:nvPr/>
-      </p:nvGrpSpPr>
-      <p:grpSpPr/>
-      <p:pic>
-        <p:nvPicPr>
-          <p:cNvPr id="2" name="Picture 1" descr="Layers.png"/>
-          <p:cNvPicPr>
-            <a:picLocks noChangeAspect="1"/>
-          </p:cNvPicPr>
-          <p:nvPr/>
-        </p:nvPicPr>
-        <p:blipFill>
-          <a:blip r:embed="rId2"/>
-          <a:stretch>
-            <a:fillRect/>
-          </a:stretch>
-        </p:blipFill>
-        <p:spPr>
-          <a:xfrm>
-            <a:off x="-1463040" y="-3657600"/>
-            <a:ext cx="11795760" cy="11795760"/>
-          </a:xfrm>
-          <a:prstGeom prst="rect">
-            <a:avLst/>
-          </a:prstGeom>
-        </p:spPr>
-      </p:pic>
-    </p:spTree>
-  </p:cSld>
-  <p:clrMapOvr>
-    <a:masterClrMapping/>
-  </p:clrMapOvr>
-</p:sld>
-</file>
-
-<file path=ppt/slides/slide46.xml><?xml version="1.0" encoding="utf-8"?>
-<p:sld xmlns:a="http://schemas.openxmlformats.org/drawingml/2006/main" xmlns:p="http://schemas.openxmlformats.org/presentationml/2006/main" xmlns:r="http://schemas.openxmlformats.org/officeDocument/2006/relationships">
-  <p:cSld>
-    <p:spTree>
-      <p:nvGrpSpPr>
-        <p:cNvPr id="1" name=""/>
-        <p:cNvGrpSpPr/>
-        <p:nvPr/>
-      </p:nvGrpSpPr>
-      <p:grpSpPr/>
-      <p:pic>
-        <p:nvPicPr>
-          <p:cNvPr id="2" name="Picture 1" descr="Layers.png"/>
-          <p:cNvPicPr>
-            <a:picLocks noChangeAspect="1"/>
-          </p:cNvPicPr>
-          <p:nvPr/>
-        </p:nvPicPr>
-        <p:blipFill>
-          <a:blip r:embed="rId2"/>
-          <a:stretch>
-            <a:fillRect/>
-          </a:stretch>
-        </p:blipFill>
-        <p:spPr>
-          <a:xfrm>
-            <a:off x="-1463040" y="-3657600"/>
-            <a:ext cx="11795760" cy="11795760"/>
-          </a:xfrm>
-          <a:prstGeom prst="rect">
-            <a:avLst/>
-          </a:prstGeom>
-        </p:spPr>
-      </p:pic>
-    </p:spTree>
-  </p:cSld>
-  <p:clrMapOvr>
-    <a:masterClrMapping/>
-  </p:clrMapOvr>
-</p:sld>
-</file>
-
-<file path=ppt/slides/slide47.xml><?xml version="1.0" encoding="utf-8"?>
-<p:sld xmlns:a="http://schemas.openxmlformats.org/drawingml/2006/main" xmlns:p="http://schemas.openxmlformats.org/presentationml/2006/main" xmlns:r="http://schemas.openxmlformats.org/officeDocument/2006/relationships">
-  <p:cSld>
-    <p:spTree>
-      <p:nvGrpSpPr>
-        <p:cNvPr id="1" name=""/>
-        <p:cNvGrpSpPr/>
-        <p:nvPr/>
-      </p:nvGrpSpPr>
-      <p:grpSpPr/>
-      <p:pic>
-        <p:nvPicPr>
-          <p:cNvPr id="2" name="Picture 1" descr="Layers.png"/>
-          <p:cNvPicPr>
-            <a:picLocks noChangeAspect="1"/>
-          </p:cNvPicPr>
-          <p:nvPr/>
-        </p:nvPicPr>
-        <p:blipFill>
-          <a:blip r:embed="rId2"/>
-          <a:stretch>
-            <a:fillRect/>
-          </a:stretch>
-        </p:blipFill>
-        <p:spPr>
-          <a:xfrm>
-            <a:off x="-1463040" y="-3657600"/>
-            <a:ext cx="11795760" cy="11795760"/>
-          </a:xfrm>
-          <a:prstGeom prst="rect">
-            <a:avLst/>
-          </a:prstGeom>
-        </p:spPr>
-      </p:pic>
-    </p:spTree>
-  </p:cSld>
-  <p:clrMapOvr>
-    <a:masterClrMapping/>
-  </p:clrMapOvr>
-</p:sld>
-</file>
-
-<file path=ppt/slides/slide48.xml><?xml version="1.0" encoding="utf-8"?>
-<p:sld xmlns:a="http://schemas.openxmlformats.org/drawingml/2006/main" xmlns:p="http://schemas.openxmlformats.org/presentationml/2006/main" xmlns:r="http://schemas.openxmlformats.org/officeDocument/2006/relationships">
-  <p:cSld>
-    <p:spTree>
-      <p:nvGrpSpPr>
-        <p:cNvPr id="1" name=""/>
-        <p:cNvGrpSpPr/>
-        <p:nvPr/>
-      </p:nvGrpSpPr>
-      <p:grpSpPr/>
-      <p:pic>
-        <p:nvPicPr>
-          <p:cNvPr id="2" name="Picture 1" descr="Layers.png"/>
-          <p:cNvPicPr>
-            <a:picLocks noChangeAspect="1"/>
-          </p:cNvPicPr>
-          <p:nvPr/>
-        </p:nvPicPr>
-        <p:blipFill>
-          <a:blip r:embed="rId2"/>
-          <a:stretch>
-            <a:fillRect/>
-          </a:stretch>
-        </p:blipFill>
-        <p:spPr>
-          <a:xfrm>
-            <a:off x="-1463040" y="-3657600"/>
-            <a:ext cx="11795760" cy="11795760"/>
-          </a:xfrm>
-          <a:prstGeom prst="rect">
-            <a:avLst/>
-          </a:prstGeom>
-        </p:spPr>
-      </p:pic>
-    </p:spTree>
-  </p:cSld>
-  <p:clrMapOvr>
-    <a:masterClrMapping/>
-  </p:clrMapOvr>
-</p:sld>
-</file>
-
-<file path=ppt/slides/slide49.xml><?xml version="1.0" encoding="utf-8"?>
-<p:sld xmlns:a="http://schemas.openxmlformats.org/drawingml/2006/main" xmlns:p="http://schemas.openxmlformats.org/presentationml/2006/main" xmlns:r="http://schemas.openxmlformats.org/officeDocument/2006/relationships">
-  <p:cSld>
-    <p:spTree>
-      <p:nvGrpSpPr>
-        <p:cNvPr id="1" name=""/>
-        <p:cNvGrpSpPr/>
-        <p:nvPr/>
-      </p:nvGrpSpPr>
-      <p:grpSpPr/>
-      <p:pic>
-        <p:nvPicPr>
-          <p:cNvPr id="2" name="Picture 1" descr="Layers.png"/>
-          <p:cNvPicPr>
-            <a:picLocks noChangeAspect="1"/>
-          </p:cNvPicPr>
-          <p:nvPr/>
-        </p:nvPicPr>
-        <p:blipFill>
-          <a:blip r:embed="rId2"/>
-          <a:stretch>
-            <a:fillRect/>
-          </a:stretch>
-        </p:blipFill>
-        <p:spPr>
-          <a:xfrm>
-            <a:off x="-1463040" y="-3657600"/>
-            <a:ext cx="11795760" cy="11795760"/>
-          </a:xfrm>
-          <a:prstGeom prst="rect">
-            <a:avLst/>
-          </a:prstGeom>
-        </p:spPr>
-      </p:pic>
-    </p:spTree>
-  </p:cSld>
-  <p:clrMapOvr>
-    <a:masterClrMapping/>
-  </p:clrMapOvr>
-</p:sld>
-</file>
-
-<file path=ppt/slides/slide5.xml><?xml version="1.0" encoding="utf-8"?>
-<p:sld xmlns:a="http://schemas.openxmlformats.org/drawingml/2006/main" xmlns:p="http://schemas.openxmlformats.org/presentationml/2006/main" xmlns:r="http://schemas.openxmlformats.org/officeDocument/2006/relationships">
-  <p:cSld>
-    <p:spTree>
-      <p:nvGrpSpPr>
-        <p:cNvPr id="1" name=""/>
-        <p:cNvGrpSpPr/>
-        <p:nvPr/>
-      </p:nvGrpSpPr>
-      <p:grpSpPr/>
-      <p:pic>
-        <p:nvPicPr>
-          <p:cNvPr id="2" name="Picture 1" descr="Layers.png"/>
-          <p:cNvPicPr>
-            <a:picLocks noChangeAspect="1"/>
-          </p:cNvPicPr>
-          <p:nvPr/>
-        </p:nvPicPr>
-        <p:blipFill>
-          <a:blip r:embed="rId2"/>
-          <a:stretch>
-            <a:fillRect/>
-          </a:stretch>
-        </p:blipFill>
-        <p:spPr>
-          <a:xfrm>
-            <a:off x="-1463040" y="-3657600"/>
-            <a:ext cx="11795760" cy="11795760"/>
-          </a:xfrm>
-          <a:prstGeom prst="rect">
-            <a:avLst/>
-          </a:prstGeom>
-        </p:spPr>
-      </p:pic>
-    </p:spTree>
-  </p:cSld>
-  <p:clrMapOvr>
-    <a:masterClrMapping/>
-  </p:clrMapOvr>
-</p:sld>
-</file>
-
-<file path=ppt/slides/slide50.xml><?xml version="1.0" encoding="utf-8"?>
-<p:sld xmlns:a="http://schemas.openxmlformats.org/drawingml/2006/main" xmlns:p="http://schemas.openxmlformats.org/presentationml/2006/main" xmlns:r="http://schemas.openxmlformats.org/officeDocument/2006/relationships">
-  <p:cSld>
-    <p:spTree>
-      <p:nvGrpSpPr>
-        <p:cNvPr id="1" name=""/>
-        <p:cNvGrpSpPr/>
-        <p:nvPr/>
-      </p:nvGrpSpPr>
-      <p:grpSpPr/>
-      <p:pic>
-        <p:nvPicPr>
-          <p:cNvPr id="2" name="Picture 1" descr="Layers.png"/>
-          <p:cNvPicPr>
-            <a:picLocks noChangeAspect="1"/>
-          </p:cNvPicPr>
-          <p:nvPr/>
-        </p:nvPicPr>
-        <p:blipFill>
-          <a:blip r:embed="rId2"/>
-          <a:stretch>
-            <a:fillRect/>
-          </a:stretch>
-        </p:blipFill>
-        <p:spPr>
-          <a:xfrm>
-            <a:off x="-1463040" y="-3657600"/>
-            <a:ext cx="11795760" cy="11795760"/>
-          </a:xfrm>
-          <a:prstGeom prst="rect">
-            <a:avLst/>
-          </a:prstGeom>
-        </p:spPr>
-      </p:pic>
-    </p:spTree>
-  </p:cSld>
-  <p:clrMapOvr>
-    <a:masterClrMapping/>
-  </p:clrMapOvr>
-</p:sld>
-</file>
-
-<file path=ppt/slides/slide51.xml><?xml version="1.0" encoding="utf-8"?>
-<p:sld xmlns:a="http://schemas.openxmlformats.org/drawingml/2006/main" xmlns:p="http://schemas.openxmlformats.org/presentationml/2006/main" xmlns:r="http://schemas.openxmlformats.org/officeDocument/2006/relationships">
-  <p:cSld>
-    <p:spTree>
-      <p:nvGrpSpPr>
-        <p:cNvPr id="1" name=""/>
-        <p:cNvGrpSpPr/>
-        <p:nvPr/>
-      </p:nvGrpSpPr>
-      <p:grpSpPr/>
-      <p:pic>
-        <p:nvPicPr>
-          <p:cNvPr id="2" name="Picture 1" descr="Layers.png"/>
-          <p:cNvPicPr>
-            <a:picLocks noChangeAspect="1"/>
-          </p:cNvPicPr>
-          <p:nvPr/>
-        </p:nvPicPr>
-        <p:blipFill>
-          <a:blip r:embed="rId2"/>
-          <a:stretch>
-            <a:fillRect/>
-          </a:stretch>
-        </p:blipFill>
-        <p:spPr>
-          <a:xfrm>
-            <a:off x="-1463040" y="-3657600"/>
-            <a:ext cx="11795760" cy="11795760"/>
-          </a:xfrm>
-          <a:prstGeom prst="rect">
-            <a:avLst/>
-          </a:prstGeom>
-        </p:spPr>
-      </p:pic>
-    </p:spTree>
-  </p:cSld>
-  <p:clrMapOvr>
-    <a:masterClrMapping/>
-  </p:clrMapOvr>
-</p:sld>
-</file>
-
-<file path=ppt/slides/slide52.xml><?xml version="1.0" encoding="utf-8"?>
-<p:sld xmlns:a="http://schemas.openxmlformats.org/drawingml/2006/main" xmlns:p="http://schemas.openxmlformats.org/presentationml/2006/main" xmlns:r="http://schemas.openxmlformats.org/officeDocument/2006/relationships">
-  <p:cSld>
-    <p:spTree>
-      <p:nvGrpSpPr>
-        <p:cNvPr id="1" name=""/>
-        <p:cNvGrpSpPr/>
-        <p:nvPr/>
-      </p:nvGrpSpPr>
-      <p:grpSpPr/>
-      <p:pic>
-        <p:nvPicPr>
-          <p:cNvPr id="2" name="Picture 1" descr="Layers.png"/>
-          <p:cNvPicPr>
-            <a:picLocks noChangeAspect="1"/>
-          </p:cNvPicPr>
-          <p:nvPr/>
-        </p:nvPicPr>
-        <p:blipFill>
-          <a:blip r:embed="rId2"/>
-          <a:stretch>
-            <a:fillRect/>
-          </a:stretch>
-        </p:blipFill>
-        <p:spPr>
-          <a:xfrm>
-            <a:off x="-1463040" y="-3657600"/>
-            <a:ext cx="11795760" cy="11795760"/>
-          </a:xfrm>
-          <a:prstGeom prst="rect">
-            <a:avLst/>
-          </a:prstGeom>
-        </p:spPr>
-      </p:pic>
-    </p:spTree>
-  </p:cSld>
-  <p:clrMapOvr>
-    <a:masterClrMapping/>
-  </p:clrMapOvr>
-</p:sld>
-</file>
-
-<file path=ppt/slides/slide53.xml><?xml version="1.0" encoding="utf-8"?>
-<p:sld xmlns:a="http://schemas.openxmlformats.org/drawingml/2006/main" xmlns:p="http://schemas.openxmlformats.org/presentationml/2006/main" xmlns:r="http://schemas.openxmlformats.org/officeDocument/2006/relationships">
-  <p:cSld>
-    <p:spTree>
-      <p:nvGrpSpPr>
-        <p:cNvPr id="1" name=""/>
-        <p:cNvGrpSpPr/>
-        <p:nvPr/>
-      </p:nvGrpSpPr>
-      <p:grpSpPr/>
-      <p:pic>
-        <p:nvPicPr>
-          <p:cNvPr id="2" name="Picture 1" descr="Layers.png"/>
-          <p:cNvPicPr>
-            <a:picLocks noChangeAspect="1"/>
-          </p:cNvPicPr>
-          <p:nvPr/>
-        </p:nvPicPr>
-        <p:blipFill>
-          <a:blip r:embed="rId2"/>
-          <a:stretch>
-            <a:fillRect/>
-          </a:stretch>
-        </p:blipFill>
-        <p:spPr>
-          <a:xfrm>
-            <a:off x="-1463040" y="-3657600"/>
-            <a:ext cx="11795760" cy="11795760"/>
-          </a:xfrm>
-          <a:prstGeom prst="rect">
-            <a:avLst/>
-          </a:prstGeom>
-        </p:spPr>
-      </p:pic>
-    </p:spTree>
-  </p:cSld>
-  <p:clrMapOvr>
-    <a:masterClrMapping/>
-  </p:clrMapOvr>
-</p:sld>
-</file>
-
-<file path=ppt/slides/slide54.xml><?xml version="1.0" encoding="utf-8"?>
-<p:sld xmlns:a="http://schemas.openxmlformats.org/drawingml/2006/main" xmlns:p="http://schemas.openxmlformats.org/presentationml/2006/main" xmlns:r="http://schemas.openxmlformats.org/officeDocument/2006/relationships">
-  <p:cSld>
-    <p:spTree>
-      <p:nvGrpSpPr>
-        <p:cNvPr id="1" name=""/>
-        <p:cNvGrpSpPr/>
-        <p:nvPr/>
-      </p:nvGrpSpPr>
-      <p:grpSpPr/>
-      <p:pic>
-        <p:nvPicPr>
-          <p:cNvPr id="2" name="Picture 1" descr="Layers.png"/>
-          <p:cNvPicPr>
-            <a:picLocks noChangeAspect="1"/>
-          </p:cNvPicPr>
-          <p:nvPr/>
-        </p:nvPicPr>
-        <p:blipFill>
-          <a:blip r:embed="rId2"/>
-          <a:stretch>
-            <a:fillRect/>
-          </a:stretch>
-        </p:blipFill>
-        <p:spPr>
-          <a:xfrm>
-            <a:off x="-1463040" y="-3657600"/>
-            <a:ext cx="11795760" cy="11795760"/>
-          </a:xfrm>
-          <a:prstGeom prst="rect">
-            <a:avLst/>
-          </a:prstGeom>
-        </p:spPr>
-      </p:pic>
-    </p:spTree>
-  </p:cSld>
-  <p:clrMapOvr>
-    <a:masterClrMapping/>
-  </p:clrMapOvr>
-</p:sld>
-</file>
-
-<file path=ppt/slides/slide55.xml><?xml version="1.0" encoding="utf-8"?>
-<p:sld xmlns:a="http://schemas.openxmlformats.org/drawingml/2006/main" xmlns:p="http://schemas.openxmlformats.org/presentationml/2006/main" xmlns:r="http://schemas.openxmlformats.org/officeDocument/2006/relationships">
-  <p:cSld>
-    <p:spTree>
-      <p:nvGrpSpPr>
-        <p:cNvPr id="1" name=""/>
-        <p:cNvGrpSpPr/>
-        <p:nvPr/>
-      </p:nvGrpSpPr>
-      <p:grpSpPr/>
-      <p:pic>
-        <p:nvPicPr>
-          <p:cNvPr id="2" name="Picture 1" descr="Layers.png"/>
-          <p:cNvPicPr>
-            <a:picLocks noChangeAspect="1"/>
-          </p:cNvPicPr>
-          <p:nvPr/>
-        </p:nvPicPr>
-        <p:blipFill>
-          <a:blip r:embed="rId2"/>
-          <a:stretch>
-            <a:fillRect/>
-          </a:stretch>
-        </p:blipFill>
-        <p:spPr>
-          <a:xfrm>
-            <a:off x="-1463040" y="-3657600"/>
-            <a:ext cx="11795760" cy="11795760"/>
-          </a:xfrm>
-          <a:prstGeom prst="rect">
-            <a:avLst/>
-          </a:prstGeom>
-        </p:spPr>
-      </p:pic>
-    </p:spTree>
-  </p:cSld>
-  <p:clrMapOvr>
-    <a:masterClrMapping/>
-  </p:clrMapOvr>
-</p:sld>
-</file>
-
-<file path=ppt/slides/slide56.xml><?xml version="1.0" encoding="utf-8"?>
-<p:sld xmlns:a="http://schemas.openxmlformats.org/drawingml/2006/main" xmlns:p="http://schemas.openxmlformats.org/presentationml/2006/main" xmlns:r="http://schemas.openxmlformats.org/officeDocument/2006/relationships">
-  <p:cSld>
-    <p:spTree>
-      <p:nvGrpSpPr>
-        <p:cNvPr id="1" name=""/>
-        <p:cNvGrpSpPr/>
-        <p:nvPr/>
-      </p:nvGrpSpPr>
-      <p:grpSpPr/>
-      <p:pic>
-        <p:nvPicPr>
-          <p:cNvPr id="2" name="Picture 1" descr="Layers.png"/>
-          <p:cNvPicPr>
-            <a:picLocks noChangeAspect="1"/>
-          </p:cNvPicPr>
-          <p:nvPr/>
-        </p:nvPicPr>
-        <p:blipFill>
-          <a:blip r:embed="rId2"/>
-          <a:stretch>
-            <a:fillRect/>
-          </a:stretch>
-        </p:blipFill>
-        <p:spPr>
-          <a:xfrm>
-            <a:off x="-1463040" y="-3657600"/>
-            <a:ext cx="11795760" cy="11795760"/>
-          </a:xfrm>
-          <a:prstGeom prst="rect">
-            <a:avLst/>
-          </a:prstGeom>
-        </p:spPr>
-      </p:pic>
-    </p:spTree>
-  </p:cSld>
-  <p:clrMapOvr>
-    <a:masterClrMapping/>
-  </p:clrMapOvr>
-</p:sld>
-</file>
-
-<file path=ppt/slides/slide57.xml><?xml version="1.0" encoding="utf-8"?>
-<p:sld xmlns:a="http://schemas.openxmlformats.org/drawingml/2006/main" xmlns:p="http://schemas.openxmlformats.org/presentationml/2006/main" xmlns:r="http://schemas.openxmlformats.org/officeDocument/2006/relationships">
-  <p:cSld>
-    <p:spTree>
-      <p:nvGrpSpPr>
-        <p:cNvPr id="1" name=""/>
-        <p:cNvGrpSpPr/>
-        <p:nvPr/>
-      </p:nvGrpSpPr>
-      <p:grpSpPr/>
-      <p:pic>
-        <p:nvPicPr>
-          <p:cNvPr id="2" name="Picture 1" descr="Layers.png"/>
-          <p:cNvPicPr>
-            <a:picLocks noChangeAspect="1"/>
-          </p:cNvPicPr>
-          <p:nvPr/>
-        </p:nvPicPr>
-        <p:blipFill>
-          <a:blip r:embed="rId2"/>
-          <a:stretch>
-            <a:fillRect/>
-          </a:stretch>
-        </p:blipFill>
-        <p:spPr>
-          <a:xfrm>
-            <a:off x="-1463040" y="-3657600"/>
-            <a:ext cx="11795760" cy="11795760"/>
-          </a:xfrm>
-          <a:prstGeom prst="rect">
-            <a:avLst/>
-          </a:prstGeom>
-        </p:spPr>
-      </p:pic>
-    </p:spTree>
-  </p:cSld>
-  <p:clrMapOvr>
-    <a:masterClrMapping/>
-  </p:clrMapOvr>
-</p:sld>
-</file>
-
-<file path=ppt/slides/slide58.xml><?xml version="1.0" encoding="utf-8"?>
-<p:sld xmlns:a="http://schemas.openxmlformats.org/drawingml/2006/main" xmlns:p="http://schemas.openxmlformats.org/presentationml/2006/main" xmlns:r="http://schemas.openxmlformats.org/officeDocument/2006/relationships">
-  <p:cSld>
-    <p:spTree>
-      <p:nvGrpSpPr>
-        <p:cNvPr id="1" name=""/>
-        <p:cNvGrpSpPr/>
-        <p:nvPr/>
-      </p:nvGrpSpPr>
-      <p:grpSpPr/>
-      <p:pic>
-        <p:nvPicPr>
-          <p:cNvPr id="2" name="Picture 1" descr="Layers.png"/>
-          <p:cNvPicPr>
-            <a:picLocks noChangeAspect="1"/>
-          </p:cNvPicPr>
-          <p:nvPr/>
-        </p:nvPicPr>
-        <p:blipFill>
-          <a:blip r:embed="rId2"/>
-          <a:stretch>
-            <a:fillRect/>
-          </a:stretch>
-        </p:blipFill>
-        <p:spPr>
-          <a:xfrm>
-            <a:off x="-1463040" y="-3657600"/>
-            <a:ext cx="11795760" cy="11795760"/>
-          </a:xfrm>
-          <a:prstGeom prst="rect">
-            <a:avLst/>
-          </a:prstGeom>
-        </p:spPr>
-      </p:pic>
-    </p:spTree>
-  </p:cSld>
-  <p:clrMapOvr>
-    <a:masterClrMapping/>
-  </p:clrMapOvr>
-</p:sld>
-</file>
-
-<file path=ppt/slides/slide59.xml><?xml version="1.0" encoding="utf-8"?>
-<p:sld xmlns:a="http://schemas.openxmlformats.org/drawingml/2006/main" xmlns:p="http://schemas.openxmlformats.org/presentationml/2006/main" xmlns:r="http://schemas.openxmlformats.org/officeDocument/2006/relationships">
-  <p:cSld>
-    <p:spTree>
-      <p:nvGrpSpPr>
-        <p:cNvPr id="1" name=""/>
-        <p:cNvGrpSpPr/>
-        <p:nvPr/>
-      </p:nvGrpSpPr>
-      <p:grpSpPr/>
-      <p:pic>
-        <p:nvPicPr>
-          <p:cNvPr id="2" name="Picture 1" descr="Layers.png"/>
-          <p:cNvPicPr>
-            <a:picLocks noChangeAspect="1"/>
-          </p:cNvPicPr>
-          <p:nvPr/>
-        </p:nvPicPr>
-        <p:blipFill>
-          <a:blip r:embed="rId2"/>
-          <a:stretch>
-            <a:fillRect/>
-          </a:stretch>
-        </p:blipFill>
-        <p:spPr>
-          <a:xfrm>
-            <a:off x="-1463040" y="-3657600"/>
-            <a:ext cx="11795760" cy="11795760"/>
-          </a:xfrm>
-          <a:prstGeom prst="rect">
-            <a:avLst/>
-          </a:prstGeom>
-        </p:spPr>
-      </p:pic>
-    </p:spTree>
-  </p:cSld>
-  <p:clrMapOvr>
-    <a:masterClrMapping/>
-  </p:clrMapOvr>
-</p:sld>
-</file>
-
-<file path=ppt/slides/slide6.xml><?xml version="1.0" encoding="utf-8"?>
-<p:sld xmlns:a="http://schemas.openxmlformats.org/drawingml/2006/main" xmlns:p="http://schemas.openxmlformats.org/presentationml/2006/main" xmlns:r="http://schemas.openxmlformats.org/officeDocument/2006/relationships">
-  <p:cSld>
-    <p:spTree>
-      <p:nvGrpSpPr>
-        <p:cNvPr id="1" name=""/>
-        <p:cNvGrpSpPr/>
-        <p:nvPr/>
-      </p:nvGrpSpPr>
-      <p:grpSpPr/>
-      <p:pic>
-        <p:nvPicPr>
-          <p:cNvPr id="2" name="Picture 1" descr="Layers.png"/>
-          <p:cNvPicPr>
-            <a:picLocks noChangeAspect="1"/>
-          </p:cNvPicPr>
-          <p:nvPr/>
-        </p:nvPicPr>
-        <p:blipFill>
-          <a:blip r:embed="rId2"/>
-          <a:stretch>
-            <a:fillRect/>
-          </a:stretch>
-        </p:blipFill>
-        <p:spPr>
-          <a:xfrm>
-            <a:off x="-1463040" y="-3657600"/>
-            <a:ext cx="11795760" cy="11795760"/>
-          </a:xfrm>
-          <a:prstGeom prst="rect">
-            <a:avLst/>
-          </a:prstGeom>
-        </p:spPr>
-      </p:pic>
-    </p:spTree>
-  </p:cSld>
-  <p:clrMapOvr>
-    <a:masterClrMapping/>
-  </p:clrMapOvr>
-</p:sld>
-</file>
-
-<file path=ppt/slides/slide60.xml><?xml version="1.0" encoding="utf-8"?>
-<p:sld xmlns:a="http://schemas.openxmlformats.org/drawingml/2006/main" xmlns:p="http://schemas.openxmlformats.org/presentationml/2006/main" xmlns:r="http://schemas.openxmlformats.org/officeDocument/2006/relationships">
-  <p:cSld>
-    <p:spTree>
-      <p:nvGrpSpPr>
-        <p:cNvPr id="1" name=""/>
-        <p:cNvGrpSpPr/>
-        <p:nvPr/>
-      </p:nvGrpSpPr>
-      <p:grpSpPr/>
-      <p:pic>
-        <p:nvPicPr>
-          <p:cNvPr id="2" name="Picture 1" descr="Layers.png"/>
-          <p:cNvPicPr>
-            <a:picLocks noChangeAspect="1"/>
-          </p:cNvPicPr>
-          <p:nvPr/>
-        </p:nvPicPr>
-        <p:blipFill>
-          <a:blip r:embed="rId2"/>
-          <a:stretch>
-            <a:fillRect/>
-          </a:stretch>
-        </p:blipFill>
-        <p:spPr>
-          <a:xfrm>
-            <a:off x="-1463040" y="-3657600"/>
-            <a:ext cx="11795760" cy="11795760"/>
-          </a:xfrm>
-          <a:prstGeom prst="rect">
-            <a:avLst/>
-          </a:prstGeom>
-        </p:spPr>
-      </p:pic>
-    </p:spTree>
-  </p:cSld>
-  <p:clrMapOvr>
-    <a:masterClrMapping/>
-  </p:clrMapOvr>
-</p:sld>
-</file>
-
-<file path=ppt/slides/slide61.xml><?xml version="1.0" encoding="utf-8"?>
-<p:sld xmlns:a="http://schemas.openxmlformats.org/drawingml/2006/main" xmlns:p="http://schemas.openxmlformats.org/presentationml/2006/main" xmlns:r="http://schemas.openxmlformats.org/officeDocument/2006/relationships">
-  <p:cSld>
-    <p:spTree>
-      <p:nvGrpSpPr>
-        <p:cNvPr id="1" name=""/>
-        <p:cNvGrpSpPr/>
-        <p:nvPr/>
-      </p:nvGrpSpPr>
-      <p:grpSpPr/>
-      <p:pic>
-        <p:nvPicPr>
-          <p:cNvPr id="2" name="Picture 1" descr="Layers.png"/>
-          <p:cNvPicPr>
-            <a:picLocks noChangeAspect="1"/>
-          </p:cNvPicPr>
-          <p:nvPr/>
-        </p:nvPicPr>
-        <p:blipFill>
-          <a:blip r:embed="rId2"/>
-          <a:stretch>
-            <a:fillRect/>
-          </a:stretch>
-        </p:blipFill>
-        <p:spPr>
-          <a:xfrm>
-            <a:off x="-1463040" y="-3657600"/>
-            <a:ext cx="11795760" cy="11795760"/>
-          </a:xfrm>
-          <a:prstGeom prst="rect">
-            <a:avLst/>
-          </a:prstGeom>
-        </p:spPr>
-      </p:pic>
-    </p:spTree>
-  </p:cSld>
-  <p:clrMapOvr>
-    <a:masterClrMapping/>
-  </p:clrMapOvr>
-</p:sld>
-</file>
-
-<file path=ppt/slides/slide62.xml><?xml version="1.0" encoding="utf-8"?>
-<p:sld xmlns:a="http://schemas.openxmlformats.org/drawingml/2006/main" xmlns:p="http://schemas.openxmlformats.org/presentationml/2006/main" xmlns:r="http://schemas.openxmlformats.org/officeDocument/2006/relationships">
-  <p:cSld>
-    <p:spTree>
-      <p:nvGrpSpPr>
-        <p:cNvPr id="1" name=""/>
-        <p:cNvGrpSpPr/>
-        <p:nvPr/>
-      </p:nvGrpSpPr>
-      <p:grpSpPr/>
-      <p:pic>
-        <p:nvPicPr>
-          <p:cNvPr id="2" name="Picture 1" descr="Layers.png"/>
-          <p:cNvPicPr>
-            <a:picLocks noChangeAspect="1"/>
-          </p:cNvPicPr>
-          <p:nvPr/>
-        </p:nvPicPr>
-        <p:blipFill>
-          <a:blip r:embed="rId2"/>
-          <a:stretch>
-            <a:fillRect/>
-          </a:stretch>
-        </p:blipFill>
-        <p:spPr>
-          <a:xfrm>
-            <a:off x="-1463040" y="-3657600"/>
-            <a:ext cx="11795760" cy="11795760"/>
-          </a:xfrm>
-          <a:prstGeom prst="rect">
-            <a:avLst/>
-          </a:prstGeom>
-        </p:spPr>
-      </p:pic>
-    </p:spTree>
-  </p:cSld>
-  <p:clrMapOvr>
-    <a:masterClrMapping/>
-  </p:clrMapOvr>
-</p:sld>
-</file>
-
-<file path=ppt/slides/slide63.xml><?xml version="1.0" encoding="utf-8"?>
-<p:sld xmlns:a="http://schemas.openxmlformats.org/drawingml/2006/main" xmlns:p="http://schemas.openxmlformats.org/presentationml/2006/main" xmlns:r="http://schemas.openxmlformats.org/officeDocument/2006/relationships">
-  <p:cSld>
-    <p:spTree>
-      <p:nvGrpSpPr>
-        <p:cNvPr id="1" name=""/>
-        <p:cNvGrpSpPr/>
-        <p:nvPr/>
-      </p:nvGrpSpPr>
-      <p:grpSpPr/>
-      <p:pic>
-        <p:nvPicPr>
-          <p:cNvPr id="2" name="Picture 1" descr="Layers.png"/>
-          <p:cNvPicPr>
-            <a:picLocks noChangeAspect="1"/>
-          </p:cNvPicPr>
-          <p:nvPr/>
-        </p:nvPicPr>
-        <p:blipFill>
-          <a:blip r:embed="rId2"/>
-          <a:stretch>
-            <a:fillRect/>
-          </a:stretch>
-        </p:blipFill>
-        <p:spPr>
-          <a:xfrm>
-            <a:off x="-1463040" y="-3657600"/>
-            <a:ext cx="11795760" cy="11795760"/>
-          </a:xfrm>
-          <a:prstGeom prst="rect">
-            <a:avLst/>
-          </a:prstGeom>
-        </p:spPr>
-      </p:pic>
-    </p:spTree>
-  </p:cSld>
-  <p:clrMapOvr>
-    <a:masterClrMapping/>
-  </p:clrMapOvr>
-</p:sld>
-</file>
-
-<file path=ppt/slides/slide64.xml><?xml version="1.0" encoding="utf-8"?>
-<p:sld xmlns:a="http://schemas.openxmlformats.org/drawingml/2006/main" xmlns:p="http://schemas.openxmlformats.org/presentationml/2006/main" xmlns:r="http://schemas.openxmlformats.org/officeDocument/2006/relationships">
-  <p:cSld>
-    <p:spTree>
-      <p:nvGrpSpPr>
-        <p:cNvPr id="1" name=""/>
-        <p:cNvGrpSpPr/>
-        <p:nvPr/>
-      </p:nvGrpSpPr>
-      <p:grpSpPr/>
-      <p:pic>
-        <p:nvPicPr>
-          <p:cNvPr id="2" name="Picture 1" descr="Layers.png"/>
-          <p:cNvPicPr>
-            <a:picLocks noChangeAspect="1"/>
-          </p:cNvPicPr>
-          <p:nvPr/>
-        </p:nvPicPr>
-        <p:blipFill>
-          <a:blip r:embed="rId2"/>
-          <a:stretch>
-            <a:fillRect/>
-          </a:stretch>
-        </p:blipFill>
-        <p:spPr>
-          <a:xfrm>
-            <a:off x="-1463040" y="-3657600"/>
-            <a:ext cx="11795760" cy="11795760"/>
-          </a:xfrm>
-          <a:prstGeom prst="rect">
-            <a:avLst/>
-          </a:prstGeom>
-        </p:spPr>
-      </p:pic>
-    </p:spTree>
-  </p:cSld>
-  <p:clrMapOvr>
-    <a:masterClrMapping/>
-  </p:clrMapOvr>
-</p:sld>
-</file>
-
-<file path=ppt/slides/slide7.xml><?xml version="1.0" encoding="utf-8"?>
-<p:sld xmlns:a="http://schemas.openxmlformats.org/drawingml/2006/main" xmlns:p="http://schemas.openxmlformats.org/presentationml/2006/main" xmlns:r="http://schemas.openxmlformats.org/officeDocument/2006/relationships">
-  <p:cSld>
-    <p:spTree>
-      <p:nvGrpSpPr>
-        <p:cNvPr id="1" name=""/>
-        <p:cNvGrpSpPr/>
-        <p:nvPr/>
-      </p:nvGrpSpPr>
-      <p:grpSpPr/>
-      <p:pic>
-        <p:nvPicPr>
-          <p:cNvPr id="2" name="Picture 1" descr="Layers.png"/>
-          <p:cNvPicPr>
-            <a:picLocks noChangeAspect="1"/>
-          </p:cNvPicPr>
-          <p:nvPr/>
-        </p:nvPicPr>
-        <p:blipFill>
-          <a:blip r:embed="rId2"/>
-          <a:stretch>
-            <a:fillRect/>
-          </a:stretch>
-        </p:blipFill>
-        <p:spPr>
-          <a:xfrm>
-            <a:off x="-1463040" y="-3657600"/>
-            <a:ext cx="11795760" cy="11795760"/>
-          </a:xfrm>
-          <a:prstGeom prst="rect">
-            <a:avLst/>
-          </a:prstGeom>
-        </p:spPr>
-      </p:pic>
-    </p:spTree>
-  </p:cSld>
-  <p:clrMapOvr>
-    <a:masterClrMapping/>
-  </p:clrMapOvr>
-</p:sld>
-</file>
-
-<file path=ppt/slides/slide8.xml><?xml version="1.0" encoding="utf-8"?>
-<p:sld xmlns:a="http://schemas.openxmlformats.org/drawingml/2006/main" xmlns:p="http://schemas.openxmlformats.org/presentationml/2006/main" xmlns:r="http://schemas.openxmlformats.org/officeDocument/2006/relationships">
-  <p:cSld>
-    <p:spTree>
-      <p:nvGrpSpPr>
-        <p:cNvPr id="1" name=""/>
-        <p:cNvGrpSpPr/>
-        <p:nvPr/>
-      </p:nvGrpSpPr>
-      <p:grpSpPr/>
-      <p:pic>
-        <p:nvPicPr>
-          <p:cNvPr id="2" name="Picture 1" descr="Layers.png"/>
-          <p:cNvPicPr>
-            <a:picLocks noChangeAspect="1"/>
-          </p:cNvPicPr>
-          <p:nvPr/>
-        </p:nvPicPr>
-        <p:blipFill>
-          <a:blip r:embed="rId2"/>
-          <a:stretch>
-            <a:fillRect/>
-          </a:stretch>
-        </p:blipFill>
-        <p:spPr>
-          <a:xfrm>
-            <a:off x="-1463040" y="-3657600"/>
-            <a:ext cx="11795760" cy="11795760"/>
-          </a:xfrm>
-          <a:prstGeom prst="rect">
-            <a:avLst/>
-          </a:prstGeom>
-        </p:spPr>
-      </p:pic>
-    </p:spTree>
-  </p:cSld>
-  <p:clrMapOvr>
-    <a:masterClrMapping/>
-  </p:clrMapOvr>
-</p:sld>
-</file>
-
-<file path=ppt/slides/slide9.xml><?xml version="1.0" encoding="utf-8"?>
 <p:sld xmlns:a="http://schemas.openxmlformats.org/drawingml/2006/main" xmlns:p="http://schemas.openxmlformats.org/presentationml/2006/main" xmlns:r="http://schemas.openxmlformats.org/officeDocument/2006/relationships">
   <p:cSld>
     <p:spTree>
